--- a/ToolInOne/Doc/draft.pptx
+++ b/ToolInOne/Doc/draft.pptx
@@ -11,6 +11,7 @@
     <p:sldId id="258" r:id="rId5"/>
     <p:sldId id="259" r:id="rId6"/>
     <p:sldId id="261" r:id="rId7"/>
+    <p:sldId id="262" r:id="rId8"/>
   </p:sldIdLst>
   <p:sldSz cx="12192000" cy="6858000"/>
   <p:notesSz cx="6858000" cy="9144000"/>
@@ -275,7 +276,7 @@
           <a:p>
             <a:fld id="{09B6D6D8-7967-410C-A3BB-F7B126E2C95E}" type="datetimeFigureOut">
               <a:rPr lang="zh-CN" altLang="en-US" smtClean="0"/>
-              <a:t>2021.2.18</a:t>
+              <a:t>2021.2.19</a:t>
             </a:fld>
             <a:endParaRPr lang="zh-CN" altLang="en-US"/>
           </a:p>
@@ -473,7 +474,7 @@
           <a:p>
             <a:fld id="{09B6D6D8-7967-410C-A3BB-F7B126E2C95E}" type="datetimeFigureOut">
               <a:rPr lang="zh-CN" altLang="en-US" smtClean="0"/>
-              <a:t>2021.2.18</a:t>
+              <a:t>2021.2.19</a:t>
             </a:fld>
             <a:endParaRPr lang="zh-CN" altLang="en-US"/>
           </a:p>
@@ -681,7 +682,7 @@
           <a:p>
             <a:fld id="{09B6D6D8-7967-410C-A3BB-F7B126E2C95E}" type="datetimeFigureOut">
               <a:rPr lang="zh-CN" altLang="en-US" smtClean="0"/>
-              <a:t>2021.2.18</a:t>
+              <a:t>2021.2.19</a:t>
             </a:fld>
             <a:endParaRPr lang="zh-CN" altLang="en-US"/>
           </a:p>
@@ -879,7 +880,7 @@
           <a:p>
             <a:fld id="{09B6D6D8-7967-410C-A3BB-F7B126E2C95E}" type="datetimeFigureOut">
               <a:rPr lang="zh-CN" altLang="en-US" smtClean="0"/>
-              <a:t>2021.2.18</a:t>
+              <a:t>2021.2.19</a:t>
             </a:fld>
             <a:endParaRPr lang="zh-CN" altLang="en-US"/>
           </a:p>
@@ -1154,7 +1155,7 @@
           <a:p>
             <a:fld id="{09B6D6D8-7967-410C-A3BB-F7B126E2C95E}" type="datetimeFigureOut">
               <a:rPr lang="zh-CN" altLang="en-US" smtClean="0"/>
-              <a:t>2021.2.18</a:t>
+              <a:t>2021.2.19</a:t>
             </a:fld>
             <a:endParaRPr lang="zh-CN" altLang="en-US"/>
           </a:p>
@@ -1419,7 +1420,7 @@
           <a:p>
             <a:fld id="{09B6D6D8-7967-410C-A3BB-F7B126E2C95E}" type="datetimeFigureOut">
               <a:rPr lang="zh-CN" altLang="en-US" smtClean="0"/>
-              <a:t>2021.2.18</a:t>
+              <a:t>2021.2.19</a:t>
             </a:fld>
             <a:endParaRPr lang="zh-CN" altLang="en-US"/>
           </a:p>
@@ -1831,7 +1832,7 @@
           <a:p>
             <a:fld id="{09B6D6D8-7967-410C-A3BB-F7B126E2C95E}" type="datetimeFigureOut">
               <a:rPr lang="zh-CN" altLang="en-US" smtClean="0"/>
-              <a:t>2021.2.18</a:t>
+              <a:t>2021.2.19</a:t>
             </a:fld>
             <a:endParaRPr lang="zh-CN" altLang="en-US"/>
           </a:p>
@@ -1972,7 +1973,7 @@
           <a:p>
             <a:fld id="{09B6D6D8-7967-410C-A3BB-F7B126E2C95E}" type="datetimeFigureOut">
               <a:rPr lang="zh-CN" altLang="en-US" smtClean="0"/>
-              <a:t>2021.2.18</a:t>
+              <a:t>2021.2.19</a:t>
             </a:fld>
             <a:endParaRPr lang="zh-CN" altLang="en-US"/>
           </a:p>
@@ -2085,7 +2086,7 @@
           <a:p>
             <a:fld id="{09B6D6D8-7967-410C-A3BB-F7B126E2C95E}" type="datetimeFigureOut">
               <a:rPr lang="zh-CN" altLang="en-US" smtClean="0"/>
-              <a:t>2021.2.18</a:t>
+              <a:t>2021.2.19</a:t>
             </a:fld>
             <a:endParaRPr lang="zh-CN" altLang="en-US"/>
           </a:p>
@@ -2396,7 +2397,7 @@
           <a:p>
             <a:fld id="{09B6D6D8-7967-410C-A3BB-F7B126E2C95E}" type="datetimeFigureOut">
               <a:rPr lang="zh-CN" altLang="en-US" smtClean="0"/>
-              <a:t>2021.2.18</a:t>
+              <a:t>2021.2.19</a:t>
             </a:fld>
             <a:endParaRPr lang="zh-CN" altLang="en-US"/>
           </a:p>
@@ -2684,7 +2685,7 @@
           <a:p>
             <a:fld id="{09B6D6D8-7967-410C-A3BB-F7B126E2C95E}" type="datetimeFigureOut">
               <a:rPr lang="zh-CN" altLang="en-US" smtClean="0"/>
-              <a:t>2021.2.18</a:t>
+              <a:t>2021.2.19</a:t>
             </a:fld>
             <a:endParaRPr lang="zh-CN" altLang="en-US"/>
           </a:p>
@@ -2925,7 +2926,7 @@
           <a:p>
             <a:fld id="{09B6D6D8-7967-410C-A3BB-F7B126E2C95E}" type="datetimeFigureOut">
               <a:rPr lang="zh-CN" altLang="en-US" smtClean="0"/>
-              <a:t>2021.2.18</a:t>
+              <a:t>2021.2.19</a:t>
             </a:fld>
             <a:endParaRPr lang="zh-CN" altLang="en-US"/>
           </a:p>
@@ -3625,6 +3626,52 @@
       </p:grpSpPr>
       <p:sp>
         <p:nvSpPr>
+          <p:cNvPr id="20" name="矩形 19">
+            <a:extLst>
+              <a:ext uri="{FF2B5EF4-FFF2-40B4-BE49-F238E27FC236}">
+                <a16:creationId xmlns:a16="http://schemas.microsoft.com/office/drawing/2014/main" id="{A85D9985-E01B-4D6B-9801-A8B068DA1EC3}"/>
+              </a:ext>
+            </a:extLst>
+          </p:cNvPr>
+          <p:cNvSpPr/>
+          <p:nvPr/>
+        </p:nvSpPr>
+        <p:spPr>
+          <a:xfrm>
+            <a:off x="2856000" y="189000"/>
+            <a:ext cx="6480000" cy="6480000"/>
+          </a:xfrm>
+          <a:prstGeom prst="rect">
+            <a:avLst/>
+          </a:prstGeom>
+        </p:spPr>
+        <p:style>
+          <a:lnRef idx="2">
+            <a:schemeClr val="accent1">
+              <a:shade val="50000"/>
+            </a:schemeClr>
+          </a:lnRef>
+          <a:fillRef idx="1">
+            <a:schemeClr val="accent1"/>
+          </a:fillRef>
+          <a:effectRef idx="0">
+            <a:schemeClr val="accent1"/>
+          </a:effectRef>
+          <a:fontRef idx="minor">
+            <a:schemeClr val="lt1"/>
+          </a:fontRef>
+        </p:style>
+        <p:txBody>
+          <a:bodyPr rtlCol="0" anchor="ctr"/>
+          <a:lstStyle/>
+          <a:p>
+            <a:pPr algn="ctr"/>
+            <a:endParaRPr lang="zh-CN" altLang="en-US"/>
+          </a:p>
+        </p:txBody>
+      </p:sp>
+      <p:sp>
+        <p:nvSpPr>
           <p:cNvPr id="4" name="椭圆 3">
             <a:extLst>
               <a:ext uri="{FF2B5EF4-FFF2-40B4-BE49-F238E27FC236}">
@@ -3637,8 +3684,8 @@
         </p:nvSpPr>
         <p:spPr>
           <a:xfrm>
-            <a:off x="3295536" y="707225"/>
-            <a:ext cx="5600927" cy="5443550"/>
+            <a:off x="3396000" y="729000"/>
+            <a:ext cx="5400000" cy="5400000"/>
           </a:xfrm>
           <a:prstGeom prst="ellipse">
             <a:avLst/>
@@ -3649,36 +3696,10 @@
             </a:blip>
             <a:tile tx="0" ty="0" sx="100000" sy="100000" flip="none" algn="tl"/>
           </a:blipFill>
-          <a:ln>
-            <a:gradFill>
-              <a:gsLst>
-                <a:gs pos="0">
-                  <a:schemeClr val="accent1">
-                    <a:lumMod val="5000"/>
-                    <a:lumOff val="95000"/>
-                  </a:schemeClr>
-                </a:gs>
-                <a:gs pos="44000">
-                  <a:schemeClr val="accent1">
-                    <a:lumMod val="45000"/>
-                    <a:lumOff val="55000"/>
-                  </a:schemeClr>
-                </a:gs>
-                <a:gs pos="69000">
-                  <a:schemeClr val="accent1">
-                    <a:lumMod val="45000"/>
-                    <a:lumOff val="55000"/>
-                  </a:schemeClr>
-                </a:gs>
-                <a:gs pos="100000">
-                  <a:schemeClr val="accent1">
-                    <a:lumMod val="30000"/>
-                    <a:lumOff val="70000"/>
-                  </a:schemeClr>
-                </a:gs>
-              </a:gsLst>
-              <a:lin ang="5400000" scaled="1"/>
-            </a:gradFill>
+          <a:ln w="38100">
+            <a:solidFill>
+              <a:schemeClr val="accent2"/>
+            </a:solidFill>
           </a:ln>
         </p:spPr>
         <p:style>
@@ -3708,6 +3729,1842 @@
           </a:p>
         </p:txBody>
       </p:sp>
+      <p:grpSp>
+        <p:nvGrpSpPr>
+          <p:cNvPr id="6" name="组合 5">
+            <a:extLst>
+              <a:ext uri="{FF2B5EF4-FFF2-40B4-BE49-F238E27FC236}">
+                <a16:creationId xmlns:a16="http://schemas.microsoft.com/office/drawing/2014/main" id="{A2F1A4C6-7E3D-42EF-9A84-C66D3CAB1614}"/>
+              </a:ext>
+            </a:extLst>
+          </p:cNvPr>
+          <p:cNvGrpSpPr>
+            <a:grpSpLocks noChangeAspect="1"/>
+          </p:cNvGrpSpPr>
+          <p:nvPr/>
+        </p:nvGrpSpPr>
+        <p:grpSpPr>
+          <a:xfrm>
+            <a:off x="2614800" y="729000"/>
+            <a:ext cx="6961621" cy="5400000"/>
+            <a:chOff x="4552950" y="1885950"/>
+            <a:chExt cx="3028950" cy="2349500"/>
+          </a:xfrm>
+        </p:grpSpPr>
+        <p:sp>
+          <p:nvSpPr>
+            <p:cNvPr id="7" name="矩形 6">
+              <a:extLst>
+                <a:ext uri="{FF2B5EF4-FFF2-40B4-BE49-F238E27FC236}">
+                  <a16:creationId xmlns:a16="http://schemas.microsoft.com/office/drawing/2014/main" id="{4F83DD28-1492-4E3D-A870-3CA4A4D0DB8F}"/>
+                </a:ext>
+              </a:extLst>
+            </p:cNvPr>
+            <p:cNvSpPr/>
+            <p:nvPr/>
+          </p:nvSpPr>
+          <p:spPr>
+            <a:xfrm>
+              <a:off x="4552950" y="1885950"/>
+              <a:ext cx="3028950" cy="2349500"/>
+            </a:xfrm>
+            <a:prstGeom prst="rect">
+              <a:avLst/>
+            </a:prstGeom>
+            <a:ln w="3175"/>
+          </p:spPr>
+        </p:sp>
+        <p:sp>
+          <p:nvSpPr>
+            <p:cNvPr id="8" name="任意多边形: 形状 7">
+              <a:extLst>
+                <a:ext uri="{FF2B5EF4-FFF2-40B4-BE49-F238E27FC236}">
+                  <a16:creationId xmlns:a16="http://schemas.microsoft.com/office/drawing/2014/main" id="{757B53FC-CF29-4F4C-86AC-D4EB59B63642}"/>
+                </a:ext>
+              </a:extLst>
+            </p:cNvPr>
+            <p:cNvSpPr>
+              <a:spLocks noChangeAspect="1"/>
+            </p:cNvSpPr>
+            <p:nvPr/>
+          </p:nvSpPr>
+          <p:spPr>
+            <a:xfrm>
+              <a:off x="5872939" y="1887657"/>
+              <a:ext cx="388971" cy="388971"/>
+            </a:xfrm>
+            <a:custGeom>
+              <a:avLst/>
+              <a:gdLst>
+                <a:gd name="connsiteX0" fmla="*/ 0 w 388971"/>
+                <a:gd name="connsiteY0" fmla="*/ 194486 h 388971"/>
+                <a:gd name="connsiteX1" fmla="*/ 194486 w 388971"/>
+                <a:gd name="connsiteY1" fmla="*/ 0 h 388971"/>
+                <a:gd name="connsiteX2" fmla="*/ 388972 w 388971"/>
+                <a:gd name="connsiteY2" fmla="*/ 194486 h 388971"/>
+                <a:gd name="connsiteX3" fmla="*/ 194486 w 388971"/>
+                <a:gd name="connsiteY3" fmla="*/ 388972 h 388971"/>
+                <a:gd name="connsiteX4" fmla="*/ 0 w 388971"/>
+                <a:gd name="connsiteY4" fmla="*/ 194486 h 388971"/>
+              </a:gdLst>
+              <a:ahLst/>
+              <a:cxnLst>
+                <a:cxn ang="0">
+                  <a:pos x="connsiteX0" y="connsiteY0"/>
+                </a:cxn>
+                <a:cxn ang="0">
+                  <a:pos x="connsiteX1" y="connsiteY1"/>
+                </a:cxn>
+                <a:cxn ang="0">
+                  <a:pos x="connsiteX2" y="connsiteY2"/>
+                </a:cxn>
+                <a:cxn ang="0">
+                  <a:pos x="connsiteX3" y="connsiteY3"/>
+                </a:cxn>
+                <a:cxn ang="0">
+                  <a:pos x="connsiteX4" y="connsiteY4"/>
+                </a:cxn>
+              </a:cxnLst>
+              <a:rect l="l" t="t" r="r" b="b"/>
+              <a:pathLst>
+                <a:path w="388971" h="388971">
+                  <a:moveTo>
+                    <a:pt x="0" y="194486"/>
+                  </a:moveTo>
+                  <a:cubicBezTo>
+                    <a:pt x="0" y="87074"/>
+                    <a:pt x="87074" y="0"/>
+                    <a:pt x="194486" y="0"/>
+                  </a:cubicBezTo>
+                  <a:cubicBezTo>
+                    <a:pt x="301898" y="0"/>
+                    <a:pt x="388972" y="87074"/>
+                    <a:pt x="388972" y="194486"/>
+                  </a:cubicBezTo>
+                  <a:cubicBezTo>
+                    <a:pt x="388972" y="301898"/>
+                    <a:pt x="301898" y="388972"/>
+                    <a:pt x="194486" y="388972"/>
+                  </a:cubicBezTo>
+                  <a:cubicBezTo>
+                    <a:pt x="87074" y="388972"/>
+                    <a:pt x="0" y="301898"/>
+                    <a:pt x="0" y="194486"/>
+                  </a:cubicBezTo>
+                  <a:close/>
+                </a:path>
+              </a:pathLst>
+            </a:custGeom>
+            <a:noFill/>
+            <a:ln>
+              <a:noFill/>
+            </a:ln>
+          </p:spPr>
+          <p:style>
+            <a:lnRef idx="2">
+              <a:schemeClr val="lt2">
+                <a:hueOff val="0"/>
+                <a:satOff val="0"/>
+                <a:lumOff val="0"/>
+                <a:alphaOff val="0"/>
+              </a:schemeClr>
+            </a:lnRef>
+            <a:fillRef idx="1">
+              <a:schemeClr val="dk2">
+                <a:hueOff val="0"/>
+                <a:satOff val="0"/>
+                <a:lumOff val="0"/>
+                <a:alphaOff val="0"/>
+              </a:schemeClr>
+            </a:fillRef>
+            <a:effectRef idx="0">
+              <a:schemeClr val="dk2">
+                <a:hueOff val="0"/>
+                <a:satOff val="0"/>
+                <a:lumOff val="0"/>
+                <a:alphaOff val="0"/>
+              </a:schemeClr>
+            </a:effectRef>
+            <a:fontRef idx="minor">
+              <a:schemeClr val="lt1"/>
+            </a:fontRef>
+          </p:style>
+          <p:txBody>
+            <a:bodyPr spcFirstLastPara="0" vert="horz" wrap="square" lIns="66488" tIns="66488" rIns="66488" bIns="66488" numCol="1" spcCol="1270" anchor="ctr" anchorCtr="0">
+              <a:noAutofit/>
+            </a:bodyPr>
+            <a:lstStyle/>
+            <a:p>
+              <a:pPr marL="0" lvl="0" indent="0" algn="ctr" defTabSz="666750">
+                <a:lnSpc>
+                  <a:spcPct val="90000"/>
+                </a:lnSpc>
+                <a:spcBef>
+                  <a:spcPct val="0"/>
+                </a:spcBef>
+                <a:spcAft>
+                  <a:spcPct val="35000"/>
+                </a:spcAft>
+                <a:buNone/>
+              </a:pPr>
+              <a:r>
+                <a:rPr lang="en-US" altLang="zh-CN" sz="4000" kern="1200" dirty="0">
+                  <a:solidFill>
+                    <a:schemeClr val="accent1"/>
+                  </a:solidFill>
+                  <a:latin typeface="Bodoni MT Black" panose="02070A03080606020203" pitchFamily="18" charset="0"/>
+                </a:rPr>
+                <a:t>12</a:t>
+              </a:r>
+              <a:endParaRPr lang="zh-CN" altLang="en-US" sz="4000" kern="1200" dirty="0">
+                <a:solidFill>
+                  <a:schemeClr val="accent1"/>
+                </a:solidFill>
+                <a:latin typeface="Bodoni MT Black" panose="02070A03080606020203" pitchFamily="18" charset="0"/>
+              </a:endParaRPr>
+            </a:p>
+          </p:txBody>
+        </p:sp>
+        <p:sp>
+          <p:nvSpPr>
+            <p:cNvPr id="9" name="任意多边形: 形状 8">
+              <a:extLst>
+                <a:ext uri="{FF2B5EF4-FFF2-40B4-BE49-F238E27FC236}">
+                  <a16:creationId xmlns:a16="http://schemas.microsoft.com/office/drawing/2014/main" id="{57DA40E7-0B44-4D02-B097-0F3C84AE201A}"/>
+                </a:ext>
+              </a:extLst>
+            </p:cNvPr>
+            <p:cNvSpPr/>
+            <p:nvPr/>
+          </p:nvSpPr>
+          <p:spPr>
+            <a:xfrm>
+              <a:off x="6362217" y="2018759"/>
+              <a:ext cx="388971" cy="388971"/>
+            </a:xfrm>
+            <a:custGeom>
+              <a:avLst/>
+              <a:gdLst>
+                <a:gd name="connsiteX0" fmla="*/ 0 w 388971"/>
+                <a:gd name="connsiteY0" fmla="*/ 194486 h 388971"/>
+                <a:gd name="connsiteX1" fmla="*/ 194486 w 388971"/>
+                <a:gd name="connsiteY1" fmla="*/ 0 h 388971"/>
+                <a:gd name="connsiteX2" fmla="*/ 388972 w 388971"/>
+                <a:gd name="connsiteY2" fmla="*/ 194486 h 388971"/>
+                <a:gd name="connsiteX3" fmla="*/ 194486 w 388971"/>
+                <a:gd name="connsiteY3" fmla="*/ 388972 h 388971"/>
+                <a:gd name="connsiteX4" fmla="*/ 0 w 388971"/>
+                <a:gd name="connsiteY4" fmla="*/ 194486 h 388971"/>
+              </a:gdLst>
+              <a:ahLst/>
+              <a:cxnLst>
+                <a:cxn ang="0">
+                  <a:pos x="connsiteX0" y="connsiteY0"/>
+                </a:cxn>
+                <a:cxn ang="0">
+                  <a:pos x="connsiteX1" y="connsiteY1"/>
+                </a:cxn>
+                <a:cxn ang="0">
+                  <a:pos x="connsiteX2" y="connsiteY2"/>
+                </a:cxn>
+                <a:cxn ang="0">
+                  <a:pos x="connsiteX3" y="connsiteY3"/>
+                </a:cxn>
+                <a:cxn ang="0">
+                  <a:pos x="connsiteX4" y="connsiteY4"/>
+                </a:cxn>
+              </a:cxnLst>
+              <a:rect l="l" t="t" r="r" b="b"/>
+              <a:pathLst>
+                <a:path w="388971" h="388971">
+                  <a:moveTo>
+                    <a:pt x="0" y="194486"/>
+                  </a:moveTo>
+                  <a:cubicBezTo>
+                    <a:pt x="0" y="87074"/>
+                    <a:pt x="87074" y="0"/>
+                    <a:pt x="194486" y="0"/>
+                  </a:cubicBezTo>
+                  <a:cubicBezTo>
+                    <a:pt x="301898" y="0"/>
+                    <a:pt x="388972" y="87074"/>
+                    <a:pt x="388972" y="194486"/>
+                  </a:cubicBezTo>
+                  <a:cubicBezTo>
+                    <a:pt x="388972" y="301898"/>
+                    <a:pt x="301898" y="388972"/>
+                    <a:pt x="194486" y="388972"/>
+                  </a:cubicBezTo>
+                  <a:cubicBezTo>
+                    <a:pt x="87074" y="388972"/>
+                    <a:pt x="0" y="301898"/>
+                    <a:pt x="0" y="194486"/>
+                  </a:cubicBezTo>
+                  <a:close/>
+                </a:path>
+              </a:pathLst>
+            </a:custGeom>
+            <a:noFill/>
+            <a:ln>
+              <a:noFill/>
+            </a:ln>
+          </p:spPr>
+          <p:style>
+            <a:lnRef idx="2">
+              <a:schemeClr val="lt2">
+                <a:hueOff val="0"/>
+                <a:satOff val="0"/>
+                <a:lumOff val="0"/>
+                <a:alphaOff val="0"/>
+              </a:schemeClr>
+            </a:lnRef>
+            <a:fillRef idx="1">
+              <a:schemeClr val="dk2">
+                <a:hueOff val="0"/>
+                <a:satOff val="0"/>
+                <a:lumOff val="0"/>
+                <a:alphaOff val="0"/>
+              </a:schemeClr>
+            </a:fillRef>
+            <a:effectRef idx="0">
+              <a:schemeClr val="dk2">
+                <a:hueOff val="0"/>
+                <a:satOff val="0"/>
+                <a:lumOff val="0"/>
+                <a:alphaOff val="0"/>
+              </a:schemeClr>
+            </a:effectRef>
+            <a:fontRef idx="minor">
+              <a:schemeClr val="lt1"/>
+            </a:fontRef>
+          </p:style>
+          <p:txBody>
+            <a:bodyPr spcFirstLastPara="0" vert="horz" wrap="square" lIns="66488" tIns="66488" rIns="66488" bIns="66488" numCol="1" spcCol="1270" anchor="ctr" anchorCtr="0">
+              <a:noAutofit/>
+            </a:bodyPr>
+            <a:lstStyle/>
+            <a:p>
+              <a:pPr marL="0" lvl="0" indent="0" algn="ctr" defTabSz="666750">
+                <a:lnSpc>
+                  <a:spcPct val="90000"/>
+                </a:lnSpc>
+                <a:spcBef>
+                  <a:spcPct val="0"/>
+                </a:spcBef>
+                <a:spcAft>
+                  <a:spcPct val="35000"/>
+                </a:spcAft>
+                <a:buNone/>
+              </a:pPr>
+              <a:r>
+                <a:rPr lang="en-US" altLang="zh-CN" sz="4000" kern="1200" dirty="0">
+                  <a:solidFill>
+                    <a:schemeClr val="accent1"/>
+                  </a:solidFill>
+                  <a:latin typeface="Bodoni MT Black" panose="02070A03080606020203" pitchFamily="18" charset="0"/>
+                </a:rPr>
+                <a:t>1</a:t>
+              </a:r>
+              <a:endParaRPr lang="zh-CN" altLang="en-US" sz="4000" kern="1200" dirty="0">
+                <a:solidFill>
+                  <a:schemeClr val="accent1"/>
+                </a:solidFill>
+                <a:latin typeface="Bodoni MT Black" panose="02070A03080606020203" pitchFamily="18" charset="0"/>
+              </a:endParaRPr>
+            </a:p>
+          </p:txBody>
+        </p:sp>
+        <p:sp>
+          <p:nvSpPr>
+            <p:cNvPr id="10" name="任意多边形: 形状 9">
+              <a:extLst>
+                <a:ext uri="{FF2B5EF4-FFF2-40B4-BE49-F238E27FC236}">
+                  <a16:creationId xmlns:a16="http://schemas.microsoft.com/office/drawing/2014/main" id="{3E40AB59-2436-4D70-A87E-6C91CA626E90}"/>
+                </a:ext>
+              </a:extLst>
+            </p:cNvPr>
+            <p:cNvSpPr/>
+            <p:nvPr/>
+          </p:nvSpPr>
+          <p:spPr>
+            <a:xfrm>
+              <a:off x="6720394" y="2376935"/>
+              <a:ext cx="388971" cy="388971"/>
+            </a:xfrm>
+            <a:custGeom>
+              <a:avLst/>
+              <a:gdLst>
+                <a:gd name="connsiteX0" fmla="*/ 0 w 388971"/>
+                <a:gd name="connsiteY0" fmla="*/ 194486 h 388971"/>
+                <a:gd name="connsiteX1" fmla="*/ 194486 w 388971"/>
+                <a:gd name="connsiteY1" fmla="*/ 0 h 388971"/>
+                <a:gd name="connsiteX2" fmla="*/ 388972 w 388971"/>
+                <a:gd name="connsiteY2" fmla="*/ 194486 h 388971"/>
+                <a:gd name="connsiteX3" fmla="*/ 194486 w 388971"/>
+                <a:gd name="connsiteY3" fmla="*/ 388972 h 388971"/>
+                <a:gd name="connsiteX4" fmla="*/ 0 w 388971"/>
+                <a:gd name="connsiteY4" fmla="*/ 194486 h 388971"/>
+              </a:gdLst>
+              <a:ahLst/>
+              <a:cxnLst>
+                <a:cxn ang="0">
+                  <a:pos x="connsiteX0" y="connsiteY0"/>
+                </a:cxn>
+                <a:cxn ang="0">
+                  <a:pos x="connsiteX1" y="connsiteY1"/>
+                </a:cxn>
+                <a:cxn ang="0">
+                  <a:pos x="connsiteX2" y="connsiteY2"/>
+                </a:cxn>
+                <a:cxn ang="0">
+                  <a:pos x="connsiteX3" y="connsiteY3"/>
+                </a:cxn>
+                <a:cxn ang="0">
+                  <a:pos x="connsiteX4" y="connsiteY4"/>
+                </a:cxn>
+              </a:cxnLst>
+              <a:rect l="l" t="t" r="r" b="b"/>
+              <a:pathLst>
+                <a:path w="388971" h="388971">
+                  <a:moveTo>
+                    <a:pt x="0" y="194486"/>
+                  </a:moveTo>
+                  <a:cubicBezTo>
+                    <a:pt x="0" y="87074"/>
+                    <a:pt x="87074" y="0"/>
+                    <a:pt x="194486" y="0"/>
+                  </a:cubicBezTo>
+                  <a:cubicBezTo>
+                    <a:pt x="301898" y="0"/>
+                    <a:pt x="388972" y="87074"/>
+                    <a:pt x="388972" y="194486"/>
+                  </a:cubicBezTo>
+                  <a:cubicBezTo>
+                    <a:pt x="388972" y="301898"/>
+                    <a:pt x="301898" y="388972"/>
+                    <a:pt x="194486" y="388972"/>
+                  </a:cubicBezTo>
+                  <a:cubicBezTo>
+                    <a:pt x="87074" y="388972"/>
+                    <a:pt x="0" y="301898"/>
+                    <a:pt x="0" y="194486"/>
+                  </a:cubicBezTo>
+                  <a:close/>
+                </a:path>
+              </a:pathLst>
+            </a:custGeom>
+            <a:noFill/>
+            <a:ln>
+              <a:noFill/>
+            </a:ln>
+          </p:spPr>
+          <p:style>
+            <a:lnRef idx="2">
+              <a:schemeClr val="lt2">
+                <a:hueOff val="0"/>
+                <a:satOff val="0"/>
+                <a:lumOff val="0"/>
+                <a:alphaOff val="0"/>
+              </a:schemeClr>
+            </a:lnRef>
+            <a:fillRef idx="1">
+              <a:schemeClr val="dk2">
+                <a:hueOff val="0"/>
+                <a:satOff val="0"/>
+                <a:lumOff val="0"/>
+                <a:alphaOff val="0"/>
+              </a:schemeClr>
+            </a:fillRef>
+            <a:effectRef idx="0">
+              <a:schemeClr val="dk2">
+                <a:hueOff val="0"/>
+                <a:satOff val="0"/>
+                <a:lumOff val="0"/>
+                <a:alphaOff val="0"/>
+              </a:schemeClr>
+            </a:effectRef>
+            <a:fontRef idx="minor">
+              <a:schemeClr val="lt1"/>
+            </a:fontRef>
+          </p:style>
+          <p:txBody>
+            <a:bodyPr spcFirstLastPara="0" vert="horz" wrap="square" lIns="66488" tIns="66488" rIns="66488" bIns="66488" numCol="1" spcCol="1270" anchor="ctr" anchorCtr="0">
+              <a:noAutofit/>
+            </a:bodyPr>
+            <a:lstStyle/>
+            <a:p>
+              <a:pPr marL="0" lvl="0" indent="0" algn="ctr" defTabSz="666750">
+                <a:lnSpc>
+                  <a:spcPct val="90000"/>
+                </a:lnSpc>
+                <a:spcBef>
+                  <a:spcPct val="0"/>
+                </a:spcBef>
+                <a:spcAft>
+                  <a:spcPct val="35000"/>
+                </a:spcAft>
+                <a:buNone/>
+              </a:pPr>
+              <a:r>
+                <a:rPr lang="en-US" altLang="zh-CN" sz="4000" kern="1200" dirty="0">
+                  <a:solidFill>
+                    <a:schemeClr val="accent1"/>
+                  </a:solidFill>
+                  <a:latin typeface="Bodoni MT Black" panose="02070A03080606020203" pitchFamily="18" charset="0"/>
+                </a:rPr>
+                <a:t>2</a:t>
+              </a:r>
+              <a:endParaRPr lang="zh-CN" altLang="en-US" sz="4000" kern="1200" dirty="0">
+                <a:solidFill>
+                  <a:schemeClr val="accent1"/>
+                </a:solidFill>
+                <a:latin typeface="Bodoni MT Black" panose="02070A03080606020203" pitchFamily="18" charset="0"/>
+              </a:endParaRPr>
+            </a:p>
+          </p:txBody>
+        </p:sp>
+        <p:sp>
+          <p:nvSpPr>
+            <p:cNvPr id="11" name="任意多边形: 形状 10">
+              <a:extLst>
+                <a:ext uri="{FF2B5EF4-FFF2-40B4-BE49-F238E27FC236}">
+                  <a16:creationId xmlns:a16="http://schemas.microsoft.com/office/drawing/2014/main" id="{ED9EB075-A18E-4131-BFBB-9585C7FB073D}"/>
+                </a:ext>
+              </a:extLst>
+            </p:cNvPr>
+            <p:cNvSpPr/>
+            <p:nvPr/>
+          </p:nvSpPr>
+          <p:spPr>
+            <a:xfrm>
+              <a:off x="6851495" y="2866214"/>
+              <a:ext cx="388971" cy="388971"/>
+            </a:xfrm>
+            <a:custGeom>
+              <a:avLst/>
+              <a:gdLst>
+                <a:gd name="connsiteX0" fmla="*/ 0 w 388971"/>
+                <a:gd name="connsiteY0" fmla="*/ 194486 h 388971"/>
+                <a:gd name="connsiteX1" fmla="*/ 194486 w 388971"/>
+                <a:gd name="connsiteY1" fmla="*/ 0 h 388971"/>
+                <a:gd name="connsiteX2" fmla="*/ 388972 w 388971"/>
+                <a:gd name="connsiteY2" fmla="*/ 194486 h 388971"/>
+                <a:gd name="connsiteX3" fmla="*/ 194486 w 388971"/>
+                <a:gd name="connsiteY3" fmla="*/ 388972 h 388971"/>
+                <a:gd name="connsiteX4" fmla="*/ 0 w 388971"/>
+                <a:gd name="connsiteY4" fmla="*/ 194486 h 388971"/>
+              </a:gdLst>
+              <a:ahLst/>
+              <a:cxnLst>
+                <a:cxn ang="0">
+                  <a:pos x="connsiteX0" y="connsiteY0"/>
+                </a:cxn>
+                <a:cxn ang="0">
+                  <a:pos x="connsiteX1" y="connsiteY1"/>
+                </a:cxn>
+                <a:cxn ang="0">
+                  <a:pos x="connsiteX2" y="connsiteY2"/>
+                </a:cxn>
+                <a:cxn ang="0">
+                  <a:pos x="connsiteX3" y="connsiteY3"/>
+                </a:cxn>
+                <a:cxn ang="0">
+                  <a:pos x="connsiteX4" y="connsiteY4"/>
+                </a:cxn>
+              </a:cxnLst>
+              <a:rect l="l" t="t" r="r" b="b"/>
+              <a:pathLst>
+                <a:path w="388971" h="388971">
+                  <a:moveTo>
+                    <a:pt x="0" y="194486"/>
+                  </a:moveTo>
+                  <a:cubicBezTo>
+                    <a:pt x="0" y="87074"/>
+                    <a:pt x="87074" y="0"/>
+                    <a:pt x="194486" y="0"/>
+                  </a:cubicBezTo>
+                  <a:cubicBezTo>
+                    <a:pt x="301898" y="0"/>
+                    <a:pt x="388972" y="87074"/>
+                    <a:pt x="388972" y="194486"/>
+                  </a:cubicBezTo>
+                  <a:cubicBezTo>
+                    <a:pt x="388972" y="301898"/>
+                    <a:pt x="301898" y="388972"/>
+                    <a:pt x="194486" y="388972"/>
+                  </a:cubicBezTo>
+                  <a:cubicBezTo>
+                    <a:pt x="87074" y="388972"/>
+                    <a:pt x="0" y="301898"/>
+                    <a:pt x="0" y="194486"/>
+                  </a:cubicBezTo>
+                  <a:close/>
+                </a:path>
+              </a:pathLst>
+            </a:custGeom>
+            <a:noFill/>
+            <a:ln>
+              <a:noFill/>
+            </a:ln>
+          </p:spPr>
+          <p:style>
+            <a:lnRef idx="2">
+              <a:schemeClr val="lt2">
+                <a:hueOff val="0"/>
+                <a:satOff val="0"/>
+                <a:lumOff val="0"/>
+                <a:alphaOff val="0"/>
+              </a:schemeClr>
+            </a:lnRef>
+            <a:fillRef idx="1">
+              <a:schemeClr val="dk2">
+                <a:hueOff val="0"/>
+                <a:satOff val="0"/>
+                <a:lumOff val="0"/>
+                <a:alphaOff val="0"/>
+              </a:schemeClr>
+            </a:fillRef>
+            <a:effectRef idx="0">
+              <a:schemeClr val="dk2">
+                <a:hueOff val="0"/>
+                <a:satOff val="0"/>
+                <a:lumOff val="0"/>
+                <a:alphaOff val="0"/>
+              </a:schemeClr>
+            </a:effectRef>
+            <a:fontRef idx="minor">
+              <a:schemeClr val="lt1"/>
+            </a:fontRef>
+          </p:style>
+          <p:txBody>
+            <a:bodyPr spcFirstLastPara="0" vert="horz" wrap="square" lIns="66488" tIns="66488" rIns="66488" bIns="66488" numCol="1" spcCol="1270" anchor="ctr" anchorCtr="0">
+              <a:noAutofit/>
+            </a:bodyPr>
+            <a:lstStyle/>
+            <a:p>
+              <a:pPr marL="0" lvl="0" indent="0" algn="ctr" defTabSz="666750">
+                <a:lnSpc>
+                  <a:spcPct val="90000"/>
+                </a:lnSpc>
+                <a:spcBef>
+                  <a:spcPct val="0"/>
+                </a:spcBef>
+                <a:spcAft>
+                  <a:spcPct val="35000"/>
+                </a:spcAft>
+                <a:buNone/>
+              </a:pPr>
+              <a:r>
+                <a:rPr lang="en-US" altLang="zh-CN" sz="4000" kern="1200" dirty="0">
+                  <a:solidFill>
+                    <a:schemeClr val="accent1"/>
+                  </a:solidFill>
+                  <a:latin typeface="Bodoni MT Black" panose="02070A03080606020203" pitchFamily="18" charset="0"/>
+                </a:rPr>
+                <a:t>3</a:t>
+              </a:r>
+              <a:endParaRPr lang="zh-CN" altLang="en-US" sz="4000" kern="1200" dirty="0">
+                <a:solidFill>
+                  <a:schemeClr val="accent1"/>
+                </a:solidFill>
+                <a:latin typeface="Bodoni MT Black" panose="02070A03080606020203" pitchFamily="18" charset="0"/>
+              </a:endParaRPr>
+            </a:p>
+          </p:txBody>
+        </p:sp>
+        <p:sp>
+          <p:nvSpPr>
+            <p:cNvPr id="12" name="任意多边形: 形状 11">
+              <a:extLst>
+                <a:ext uri="{FF2B5EF4-FFF2-40B4-BE49-F238E27FC236}">
+                  <a16:creationId xmlns:a16="http://schemas.microsoft.com/office/drawing/2014/main" id="{23603898-4FD8-4856-8E01-E62299E1B907}"/>
+                </a:ext>
+              </a:extLst>
+            </p:cNvPr>
+            <p:cNvSpPr/>
+            <p:nvPr/>
+          </p:nvSpPr>
+          <p:spPr>
+            <a:xfrm>
+              <a:off x="6720394" y="3355492"/>
+              <a:ext cx="388971" cy="388971"/>
+            </a:xfrm>
+            <a:custGeom>
+              <a:avLst/>
+              <a:gdLst>
+                <a:gd name="connsiteX0" fmla="*/ 0 w 388971"/>
+                <a:gd name="connsiteY0" fmla="*/ 194486 h 388971"/>
+                <a:gd name="connsiteX1" fmla="*/ 194486 w 388971"/>
+                <a:gd name="connsiteY1" fmla="*/ 0 h 388971"/>
+                <a:gd name="connsiteX2" fmla="*/ 388972 w 388971"/>
+                <a:gd name="connsiteY2" fmla="*/ 194486 h 388971"/>
+                <a:gd name="connsiteX3" fmla="*/ 194486 w 388971"/>
+                <a:gd name="connsiteY3" fmla="*/ 388972 h 388971"/>
+                <a:gd name="connsiteX4" fmla="*/ 0 w 388971"/>
+                <a:gd name="connsiteY4" fmla="*/ 194486 h 388971"/>
+              </a:gdLst>
+              <a:ahLst/>
+              <a:cxnLst>
+                <a:cxn ang="0">
+                  <a:pos x="connsiteX0" y="connsiteY0"/>
+                </a:cxn>
+                <a:cxn ang="0">
+                  <a:pos x="connsiteX1" y="connsiteY1"/>
+                </a:cxn>
+                <a:cxn ang="0">
+                  <a:pos x="connsiteX2" y="connsiteY2"/>
+                </a:cxn>
+                <a:cxn ang="0">
+                  <a:pos x="connsiteX3" y="connsiteY3"/>
+                </a:cxn>
+                <a:cxn ang="0">
+                  <a:pos x="connsiteX4" y="connsiteY4"/>
+                </a:cxn>
+              </a:cxnLst>
+              <a:rect l="l" t="t" r="r" b="b"/>
+              <a:pathLst>
+                <a:path w="388971" h="388971">
+                  <a:moveTo>
+                    <a:pt x="0" y="194486"/>
+                  </a:moveTo>
+                  <a:cubicBezTo>
+                    <a:pt x="0" y="87074"/>
+                    <a:pt x="87074" y="0"/>
+                    <a:pt x="194486" y="0"/>
+                  </a:cubicBezTo>
+                  <a:cubicBezTo>
+                    <a:pt x="301898" y="0"/>
+                    <a:pt x="388972" y="87074"/>
+                    <a:pt x="388972" y="194486"/>
+                  </a:cubicBezTo>
+                  <a:cubicBezTo>
+                    <a:pt x="388972" y="301898"/>
+                    <a:pt x="301898" y="388972"/>
+                    <a:pt x="194486" y="388972"/>
+                  </a:cubicBezTo>
+                  <a:cubicBezTo>
+                    <a:pt x="87074" y="388972"/>
+                    <a:pt x="0" y="301898"/>
+                    <a:pt x="0" y="194486"/>
+                  </a:cubicBezTo>
+                  <a:close/>
+                </a:path>
+              </a:pathLst>
+            </a:custGeom>
+            <a:noFill/>
+            <a:ln>
+              <a:noFill/>
+            </a:ln>
+          </p:spPr>
+          <p:style>
+            <a:lnRef idx="2">
+              <a:schemeClr val="lt2">
+                <a:hueOff val="0"/>
+                <a:satOff val="0"/>
+                <a:lumOff val="0"/>
+                <a:alphaOff val="0"/>
+              </a:schemeClr>
+            </a:lnRef>
+            <a:fillRef idx="1">
+              <a:schemeClr val="dk2">
+                <a:hueOff val="0"/>
+                <a:satOff val="0"/>
+                <a:lumOff val="0"/>
+                <a:alphaOff val="0"/>
+              </a:schemeClr>
+            </a:fillRef>
+            <a:effectRef idx="0">
+              <a:schemeClr val="dk2">
+                <a:hueOff val="0"/>
+                <a:satOff val="0"/>
+                <a:lumOff val="0"/>
+                <a:alphaOff val="0"/>
+              </a:schemeClr>
+            </a:effectRef>
+            <a:fontRef idx="minor">
+              <a:schemeClr val="lt1"/>
+            </a:fontRef>
+          </p:style>
+          <p:txBody>
+            <a:bodyPr spcFirstLastPara="0" vert="horz" wrap="square" lIns="66488" tIns="66488" rIns="66488" bIns="66488" numCol="1" spcCol="1270" anchor="ctr" anchorCtr="0">
+              <a:noAutofit/>
+            </a:bodyPr>
+            <a:lstStyle/>
+            <a:p>
+              <a:pPr marL="0" lvl="0" indent="0" algn="ctr" defTabSz="666750">
+                <a:lnSpc>
+                  <a:spcPct val="90000"/>
+                </a:lnSpc>
+                <a:spcBef>
+                  <a:spcPct val="0"/>
+                </a:spcBef>
+                <a:spcAft>
+                  <a:spcPct val="35000"/>
+                </a:spcAft>
+                <a:buNone/>
+              </a:pPr>
+              <a:r>
+                <a:rPr lang="en-US" altLang="zh-CN" sz="4000" kern="1200" dirty="0">
+                  <a:solidFill>
+                    <a:schemeClr val="accent1"/>
+                  </a:solidFill>
+                  <a:latin typeface="Bodoni MT Black" panose="02070A03080606020203" pitchFamily="18" charset="0"/>
+                </a:rPr>
+                <a:t>4</a:t>
+              </a:r>
+              <a:endParaRPr lang="zh-CN" altLang="en-US" sz="4000" kern="1200" dirty="0">
+                <a:solidFill>
+                  <a:schemeClr val="accent1"/>
+                </a:solidFill>
+                <a:latin typeface="Bodoni MT Black" panose="02070A03080606020203" pitchFamily="18" charset="0"/>
+              </a:endParaRPr>
+            </a:p>
+          </p:txBody>
+        </p:sp>
+        <p:sp>
+          <p:nvSpPr>
+            <p:cNvPr id="13" name="任意多边形: 形状 12">
+              <a:extLst>
+                <a:ext uri="{FF2B5EF4-FFF2-40B4-BE49-F238E27FC236}">
+                  <a16:creationId xmlns:a16="http://schemas.microsoft.com/office/drawing/2014/main" id="{9C8CF307-F6D3-4DA7-8F57-A7023F713F4B}"/>
+                </a:ext>
+              </a:extLst>
+            </p:cNvPr>
+            <p:cNvSpPr/>
+            <p:nvPr/>
+          </p:nvSpPr>
+          <p:spPr>
+            <a:xfrm>
+              <a:off x="6362217" y="3713669"/>
+              <a:ext cx="388971" cy="388971"/>
+            </a:xfrm>
+            <a:custGeom>
+              <a:avLst/>
+              <a:gdLst>
+                <a:gd name="connsiteX0" fmla="*/ 0 w 388971"/>
+                <a:gd name="connsiteY0" fmla="*/ 194486 h 388971"/>
+                <a:gd name="connsiteX1" fmla="*/ 194486 w 388971"/>
+                <a:gd name="connsiteY1" fmla="*/ 0 h 388971"/>
+                <a:gd name="connsiteX2" fmla="*/ 388972 w 388971"/>
+                <a:gd name="connsiteY2" fmla="*/ 194486 h 388971"/>
+                <a:gd name="connsiteX3" fmla="*/ 194486 w 388971"/>
+                <a:gd name="connsiteY3" fmla="*/ 388972 h 388971"/>
+                <a:gd name="connsiteX4" fmla="*/ 0 w 388971"/>
+                <a:gd name="connsiteY4" fmla="*/ 194486 h 388971"/>
+              </a:gdLst>
+              <a:ahLst/>
+              <a:cxnLst>
+                <a:cxn ang="0">
+                  <a:pos x="connsiteX0" y="connsiteY0"/>
+                </a:cxn>
+                <a:cxn ang="0">
+                  <a:pos x="connsiteX1" y="connsiteY1"/>
+                </a:cxn>
+                <a:cxn ang="0">
+                  <a:pos x="connsiteX2" y="connsiteY2"/>
+                </a:cxn>
+                <a:cxn ang="0">
+                  <a:pos x="connsiteX3" y="connsiteY3"/>
+                </a:cxn>
+                <a:cxn ang="0">
+                  <a:pos x="connsiteX4" y="connsiteY4"/>
+                </a:cxn>
+              </a:cxnLst>
+              <a:rect l="l" t="t" r="r" b="b"/>
+              <a:pathLst>
+                <a:path w="388971" h="388971">
+                  <a:moveTo>
+                    <a:pt x="0" y="194486"/>
+                  </a:moveTo>
+                  <a:cubicBezTo>
+                    <a:pt x="0" y="87074"/>
+                    <a:pt x="87074" y="0"/>
+                    <a:pt x="194486" y="0"/>
+                  </a:cubicBezTo>
+                  <a:cubicBezTo>
+                    <a:pt x="301898" y="0"/>
+                    <a:pt x="388972" y="87074"/>
+                    <a:pt x="388972" y="194486"/>
+                  </a:cubicBezTo>
+                  <a:cubicBezTo>
+                    <a:pt x="388972" y="301898"/>
+                    <a:pt x="301898" y="388972"/>
+                    <a:pt x="194486" y="388972"/>
+                  </a:cubicBezTo>
+                  <a:cubicBezTo>
+                    <a:pt x="87074" y="388972"/>
+                    <a:pt x="0" y="301898"/>
+                    <a:pt x="0" y="194486"/>
+                  </a:cubicBezTo>
+                  <a:close/>
+                </a:path>
+              </a:pathLst>
+            </a:custGeom>
+            <a:noFill/>
+            <a:ln>
+              <a:noFill/>
+            </a:ln>
+          </p:spPr>
+          <p:style>
+            <a:lnRef idx="2">
+              <a:schemeClr val="lt2">
+                <a:hueOff val="0"/>
+                <a:satOff val="0"/>
+                <a:lumOff val="0"/>
+                <a:alphaOff val="0"/>
+              </a:schemeClr>
+            </a:lnRef>
+            <a:fillRef idx="1">
+              <a:schemeClr val="dk2">
+                <a:hueOff val="0"/>
+                <a:satOff val="0"/>
+                <a:lumOff val="0"/>
+                <a:alphaOff val="0"/>
+              </a:schemeClr>
+            </a:fillRef>
+            <a:effectRef idx="0">
+              <a:schemeClr val="dk2">
+                <a:hueOff val="0"/>
+                <a:satOff val="0"/>
+                <a:lumOff val="0"/>
+                <a:alphaOff val="0"/>
+              </a:schemeClr>
+            </a:effectRef>
+            <a:fontRef idx="minor">
+              <a:schemeClr val="lt1"/>
+            </a:fontRef>
+          </p:style>
+          <p:txBody>
+            <a:bodyPr spcFirstLastPara="0" vert="horz" wrap="square" lIns="66488" tIns="66488" rIns="66488" bIns="66488" numCol="1" spcCol="1270" anchor="ctr" anchorCtr="0">
+              <a:noAutofit/>
+            </a:bodyPr>
+            <a:lstStyle/>
+            <a:p>
+              <a:pPr marL="0" lvl="0" indent="0" algn="ctr" defTabSz="666750">
+                <a:lnSpc>
+                  <a:spcPct val="90000"/>
+                </a:lnSpc>
+                <a:spcBef>
+                  <a:spcPct val="0"/>
+                </a:spcBef>
+                <a:spcAft>
+                  <a:spcPct val="35000"/>
+                </a:spcAft>
+                <a:buNone/>
+              </a:pPr>
+              <a:r>
+                <a:rPr lang="en-US" altLang="zh-CN" sz="4000" kern="1200" dirty="0">
+                  <a:solidFill>
+                    <a:schemeClr val="accent1"/>
+                  </a:solidFill>
+                  <a:latin typeface="Bodoni MT Black" panose="02070A03080606020203" pitchFamily="18" charset="0"/>
+                </a:rPr>
+                <a:t>5</a:t>
+              </a:r>
+              <a:endParaRPr lang="zh-CN" altLang="en-US" sz="4000" kern="1200" dirty="0">
+                <a:solidFill>
+                  <a:schemeClr val="accent1"/>
+                </a:solidFill>
+                <a:latin typeface="Bodoni MT Black" panose="02070A03080606020203" pitchFamily="18" charset="0"/>
+              </a:endParaRPr>
+            </a:p>
+          </p:txBody>
+        </p:sp>
+        <p:sp>
+          <p:nvSpPr>
+            <p:cNvPr id="14" name="任意多边形: 形状 13">
+              <a:extLst>
+                <a:ext uri="{FF2B5EF4-FFF2-40B4-BE49-F238E27FC236}">
+                  <a16:creationId xmlns:a16="http://schemas.microsoft.com/office/drawing/2014/main" id="{F6603549-BF22-4CC6-933A-BE821AA2C5EF}"/>
+                </a:ext>
+              </a:extLst>
+            </p:cNvPr>
+            <p:cNvSpPr/>
+            <p:nvPr/>
+          </p:nvSpPr>
+          <p:spPr>
+            <a:xfrm>
+              <a:off x="5872939" y="3844770"/>
+              <a:ext cx="388971" cy="388971"/>
+            </a:xfrm>
+            <a:custGeom>
+              <a:avLst/>
+              <a:gdLst>
+                <a:gd name="connsiteX0" fmla="*/ 0 w 388971"/>
+                <a:gd name="connsiteY0" fmla="*/ 194486 h 388971"/>
+                <a:gd name="connsiteX1" fmla="*/ 194486 w 388971"/>
+                <a:gd name="connsiteY1" fmla="*/ 0 h 388971"/>
+                <a:gd name="connsiteX2" fmla="*/ 388972 w 388971"/>
+                <a:gd name="connsiteY2" fmla="*/ 194486 h 388971"/>
+                <a:gd name="connsiteX3" fmla="*/ 194486 w 388971"/>
+                <a:gd name="connsiteY3" fmla="*/ 388972 h 388971"/>
+                <a:gd name="connsiteX4" fmla="*/ 0 w 388971"/>
+                <a:gd name="connsiteY4" fmla="*/ 194486 h 388971"/>
+              </a:gdLst>
+              <a:ahLst/>
+              <a:cxnLst>
+                <a:cxn ang="0">
+                  <a:pos x="connsiteX0" y="connsiteY0"/>
+                </a:cxn>
+                <a:cxn ang="0">
+                  <a:pos x="connsiteX1" y="connsiteY1"/>
+                </a:cxn>
+                <a:cxn ang="0">
+                  <a:pos x="connsiteX2" y="connsiteY2"/>
+                </a:cxn>
+                <a:cxn ang="0">
+                  <a:pos x="connsiteX3" y="connsiteY3"/>
+                </a:cxn>
+                <a:cxn ang="0">
+                  <a:pos x="connsiteX4" y="connsiteY4"/>
+                </a:cxn>
+              </a:cxnLst>
+              <a:rect l="l" t="t" r="r" b="b"/>
+              <a:pathLst>
+                <a:path w="388971" h="388971">
+                  <a:moveTo>
+                    <a:pt x="0" y="194486"/>
+                  </a:moveTo>
+                  <a:cubicBezTo>
+                    <a:pt x="0" y="87074"/>
+                    <a:pt x="87074" y="0"/>
+                    <a:pt x="194486" y="0"/>
+                  </a:cubicBezTo>
+                  <a:cubicBezTo>
+                    <a:pt x="301898" y="0"/>
+                    <a:pt x="388972" y="87074"/>
+                    <a:pt x="388972" y="194486"/>
+                  </a:cubicBezTo>
+                  <a:cubicBezTo>
+                    <a:pt x="388972" y="301898"/>
+                    <a:pt x="301898" y="388972"/>
+                    <a:pt x="194486" y="388972"/>
+                  </a:cubicBezTo>
+                  <a:cubicBezTo>
+                    <a:pt x="87074" y="388972"/>
+                    <a:pt x="0" y="301898"/>
+                    <a:pt x="0" y="194486"/>
+                  </a:cubicBezTo>
+                  <a:close/>
+                </a:path>
+              </a:pathLst>
+            </a:custGeom>
+            <a:noFill/>
+            <a:ln>
+              <a:noFill/>
+            </a:ln>
+          </p:spPr>
+          <p:style>
+            <a:lnRef idx="2">
+              <a:schemeClr val="lt2">
+                <a:hueOff val="0"/>
+                <a:satOff val="0"/>
+                <a:lumOff val="0"/>
+                <a:alphaOff val="0"/>
+              </a:schemeClr>
+            </a:lnRef>
+            <a:fillRef idx="1">
+              <a:schemeClr val="dk2">
+                <a:hueOff val="0"/>
+                <a:satOff val="0"/>
+                <a:lumOff val="0"/>
+                <a:alphaOff val="0"/>
+              </a:schemeClr>
+            </a:fillRef>
+            <a:effectRef idx="0">
+              <a:schemeClr val="dk2">
+                <a:hueOff val="0"/>
+                <a:satOff val="0"/>
+                <a:lumOff val="0"/>
+                <a:alphaOff val="0"/>
+              </a:schemeClr>
+            </a:effectRef>
+            <a:fontRef idx="minor">
+              <a:schemeClr val="lt1"/>
+            </a:fontRef>
+          </p:style>
+          <p:txBody>
+            <a:bodyPr spcFirstLastPara="0" vert="horz" wrap="square" lIns="66488" tIns="66488" rIns="66488" bIns="66488" numCol="1" spcCol="1270" anchor="ctr" anchorCtr="0">
+              <a:noAutofit/>
+            </a:bodyPr>
+            <a:lstStyle/>
+            <a:p>
+              <a:pPr marL="0" lvl="0" indent="0" algn="ctr" defTabSz="666750">
+                <a:lnSpc>
+                  <a:spcPct val="90000"/>
+                </a:lnSpc>
+                <a:spcBef>
+                  <a:spcPct val="0"/>
+                </a:spcBef>
+                <a:spcAft>
+                  <a:spcPct val="35000"/>
+                </a:spcAft>
+                <a:buNone/>
+              </a:pPr>
+              <a:r>
+                <a:rPr lang="en-US" altLang="zh-CN" sz="4000" kern="1200" dirty="0">
+                  <a:solidFill>
+                    <a:schemeClr val="accent1"/>
+                  </a:solidFill>
+                  <a:latin typeface="Bodoni MT Black" panose="02070A03080606020203" pitchFamily="18" charset="0"/>
+                </a:rPr>
+                <a:t>6</a:t>
+              </a:r>
+              <a:endParaRPr lang="zh-CN" altLang="en-US" sz="4000" kern="1200" dirty="0">
+                <a:solidFill>
+                  <a:schemeClr val="accent1"/>
+                </a:solidFill>
+                <a:latin typeface="Bodoni MT Black" panose="02070A03080606020203" pitchFamily="18" charset="0"/>
+              </a:endParaRPr>
+            </a:p>
+          </p:txBody>
+        </p:sp>
+        <p:sp>
+          <p:nvSpPr>
+            <p:cNvPr id="15" name="任意多边形: 形状 14">
+              <a:extLst>
+                <a:ext uri="{FF2B5EF4-FFF2-40B4-BE49-F238E27FC236}">
+                  <a16:creationId xmlns:a16="http://schemas.microsoft.com/office/drawing/2014/main" id="{4A9F56A0-7AE9-448D-A383-43029152A887}"/>
+                </a:ext>
+              </a:extLst>
+            </p:cNvPr>
+            <p:cNvSpPr/>
+            <p:nvPr/>
+          </p:nvSpPr>
+          <p:spPr>
+            <a:xfrm>
+              <a:off x="5383660" y="3713669"/>
+              <a:ext cx="388971" cy="388971"/>
+            </a:xfrm>
+            <a:custGeom>
+              <a:avLst/>
+              <a:gdLst>
+                <a:gd name="connsiteX0" fmla="*/ 0 w 388971"/>
+                <a:gd name="connsiteY0" fmla="*/ 194486 h 388971"/>
+                <a:gd name="connsiteX1" fmla="*/ 194486 w 388971"/>
+                <a:gd name="connsiteY1" fmla="*/ 0 h 388971"/>
+                <a:gd name="connsiteX2" fmla="*/ 388972 w 388971"/>
+                <a:gd name="connsiteY2" fmla="*/ 194486 h 388971"/>
+                <a:gd name="connsiteX3" fmla="*/ 194486 w 388971"/>
+                <a:gd name="connsiteY3" fmla="*/ 388972 h 388971"/>
+                <a:gd name="connsiteX4" fmla="*/ 0 w 388971"/>
+                <a:gd name="connsiteY4" fmla="*/ 194486 h 388971"/>
+              </a:gdLst>
+              <a:ahLst/>
+              <a:cxnLst>
+                <a:cxn ang="0">
+                  <a:pos x="connsiteX0" y="connsiteY0"/>
+                </a:cxn>
+                <a:cxn ang="0">
+                  <a:pos x="connsiteX1" y="connsiteY1"/>
+                </a:cxn>
+                <a:cxn ang="0">
+                  <a:pos x="connsiteX2" y="connsiteY2"/>
+                </a:cxn>
+                <a:cxn ang="0">
+                  <a:pos x="connsiteX3" y="connsiteY3"/>
+                </a:cxn>
+                <a:cxn ang="0">
+                  <a:pos x="connsiteX4" y="connsiteY4"/>
+                </a:cxn>
+              </a:cxnLst>
+              <a:rect l="l" t="t" r="r" b="b"/>
+              <a:pathLst>
+                <a:path w="388971" h="388971">
+                  <a:moveTo>
+                    <a:pt x="0" y="194486"/>
+                  </a:moveTo>
+                  <a:cubicBezTo>
+                    <a:pt x="0" y="87074"/>
+                    <a:pt x="87074" y="0"/>
+                    <a:pt x="194486" y="0"/>
+                  </a:cubicBezTo>
+                  <a:cubicBezTo>
+                    <a:pt x="301898" y="0"/>
+                    <a:pt x="388972" y="87074"/>
+                    <a:pt x="388972" y="194486"/>
+                  </a:cubicBezTo>
+                  <a:cubicBezTo>
+                    <a:pt x="388972" y="301898"/>
+                    <a:pt x="301898" y="388972"/>
+                    <a:pt x="194486" y="388972"/>
+                  </a:cubicBezTo>
+                  <a:cubicBezTo>
+                    <a:pt x="87074" y="388972"/>
+                    <a:pt x="0" y="301898"/>
+                    <a:pt x="0" y="194486"/>
+                  </a:cubicBezTo>
+                  <a:close/>
+                </a:path>
+              </a:pathLst>
+            </a:custGeom>
+            <a:noFill/>
+            <a:ln>
+              <a:noFill/>
+            </a:ln>
+          </p:spPr>
+          <p:style>
+            <a:lnRef idx="2">
+              <a:schemeClr val="lt2">
+                <a:hueOff val="0"/>
+                <a:satOff val="0"/>
+                <a:lumOff val="0"/>
+                <a:alphaOff val="0"/>
+              </a:schemeClr>
+            </a:lnRef>
+            <a:fillRef idx="1">
+              <a:schemeClr val="dk2">
+                <a:hueOff val="0"/>
+                <a:satOff val="0"/>
+                <a:lumOff val="0"/>
+                <a:alphaOff val="0"/>
+              </a:schemeClr>
+            </a:fillRef>
+            <a:effectRef idx="0">
+              <a:schemeClr val="dk2">
+                <a:hueOff val="0"/>
+                <a:satOff val="0"/>
+                <a:lumOff val="0"/>
+                <a:alphaOff val="0"/>
+              </a:schemeClr>
+            </a:effectRef>
+            <a:fontRef idx="minor">
+              <a:schemeClr val="lt1"/>
+            </a:fontRef>
+          </p:style>
+          <p:txBody>
+            <a:bodyPr spcFirstLastPara="0" vert="horz" wrap="square" lIns="66488" tIns="66488" rIns="66488" bIns="66488" numCol="1" spcCol="1270" anchor="ctr" anchorCtr="0">
+              <a:noAutofit/>
+            </a:bodyPr>
+            <a:lstStyle/>
+            <a:p>
+              <a:pPr marL="0" lvl="0" indent="0" algn="ctr" defTabSz="666750">
+                <a:lnSpc>
+                  <a:spcPct val="90000"/>
+                </a:lnSpc>
+                <a:spcBef>
+                  <a:spcPct val="0"/>
+                </a:spcBef>
+                <a:spcAft>
+                  <a:spcPct val="35000"/>
+                </a:spcAft>
+                <a:buNone/>
+              </a:pPr>
+              <a:r>
+                <a:rPr lang="en-US" altLang="zh-CN" sz="4000" kern="1200" dirty="0">
+                  <a:solidFill>
+                    <a:schemeClr val="accent1"/>
+                  </a:solidFill>
+                  <a:latin typeface="Bodoni MT Black" panose="02070A03080606020203" pitchFamily="18" charset="0"/>
+                </a:rPr>
+                <a:t>7</a:t>
+              </a:r>
+              <a:endParaRPr lang="zh-CN" altLang="en-US" sz="4000" kern="1200" dirty="0">
+                <a:solidFill>
+                  <a:schemeClr val="accent1"/>
+                </a:solidFill>
+                <a:latin typeface="Bodoni MT Black" panose="02070A03080606020203" pitchFamily="18" charset="0"/>
+              </a:endParaRPr>
+            </a:p>
+          </p:txBody>
+        </p:sp>
+        <p:sp>
+          <p:nvSpPr>
+            <p:cNvPr id="16" name="任意多边形: 形状 15">
+              <a:extLst>
+                <a:ext uri="{FF2B5EF4-FFF2-40B4-BE49-F238E27FC236}">
+                  <a16:creationId xmlns:a16="http://schemas.microsoft.com/office/drawing/2014/main" id="{9B34D126-3433-4A55-9DB0-0C53F17D53EE}"/>
+                </a:ext>
+              </a:extLst>
+            </p:cNvPr>
+            <p:cNvSpPr/>
+            <p:nvPr/>
+          </p:nvSpPr>
+          <p:spPr>
+            <a:xfrm>
+              <a:off x="5025484" y="3355492"/>
+              <a:ext cx="388971" cy="388971"/>
+            </a:xfrm>
+            <a:custGeom>
+              <a:avLst/>
+              <a:gdLst>
+                <a:gd name="connsiteX0" fmla="*/ 0 w 388971"/>
+                <a:gd name="connsiteY0" fmla="*/ 194486 h 388971"/>
+                <a:gd name="connsiteX1" fmla="*/ 194486 w 388971"/>
+                <a:gd name="connsiteY1" fmla="*/ 0 h 388971"/>
+                <a:gd name="connsiteX2" fmla="*/ 388972 w 388971"/>
+                <a:gd name="connsiteY2" fmla="*/ 194486 h 388971"/>
+                <a:gd name="connsiteX3" fmla="*/ 194486 w 388971"/>
+                <a:gd name="connsiteY3" fmla="*/ 388972 h 388971"/>
+                <a:gd name="connsiteX4" fmla="*/ 0 w 388971"/>
+                <a:gd name="connsiteY4" fmla="*/ 194486 h 388971"/>
+              </a:gdLst>
+              <a:ahLst/>
+              <a:cxnLst>
+                <a:cxn ang="0">
+                  <a:pos x="connsiteX0" y="connsiteY0"/>
+                </a:cxn>
+                <a:cxn ang="0">
+                  <a:pos x="connsiteX1" y="connsiteY1"/>
+                </a:cxn>
+                <a:cxn ang="0">
+                  <a:pos x="connsiteX2" y="connsiteY2"/>
+                </a:cxn>
+                <a:cxn ang="0">
+                  <a:pos x="connsiteX3" y="connsiteY3"/>
+                </a:cxn>
+                <a:cxn ang="0">
+                  <a:pos x="connsiteX4" y="connsiteY4"/>
+                </a:cxn>
+              </a:cxnLst>
+              <a:rect l="l" t="t" r="r" b="b"/>
+              <a:pathLst>
+                <a:path w="388971" h="388971">
+                  <a:moveTo>
+                    <a:pt x="0" y="194486"/>
+                  </a:moveTo>
+                  <a:cubicBezTo>
+                    <a:pt x="0" y="87074"/>
+                    <a:pt x="87074" y="0"/>
+                    <a:pt x="194486" y="0"/>
+                  </a:cubicBezTo>
+                  <a:cubicBezTo>
+                    <a:pt x="301898" y="0"/>
+                    <a:pt x="388972" y="87074"/>
+                    <a:pt x="388972" y="194486"/>
+                  </a:cubicBezTo>
+                  <a:cubicBezTo>
+                    <a:pt x="388972" y="301898"/>
+                    <a:pt x="301898" y="388972"/>
+                    <a:pt x="194486" y="388972"/>
+                  </a:cubicBezTo>
+                  <a:cubicBezTo>
+                    <a:pt x="87074" y="388972"/>
+                    <a:pt x="0" y="301898"/>
+                    <a:pt x="0" y="194486"/>
+                  </a:cubicBezTo>
+                  <a:close/>
+                </a:path>
+              </a:pathLst>
+            </a:custGeom>
+            <a:noFill/>
+            <a:ln>
+              <a:noFill/>
+            </a:ln>
+          </p:spPr>
+          <p:style>
+            <a:lnRef idx="2">
+              <a:schemeClr val="lt2">
+                <a:hueOff val="0"/>
+                <a:satOff val="0"/>
+                <a:lumOff val="0"/>
+                <a:alphaOff val="0"/>
+              </a:schemeClr>
+            </a:lnRef>
+            <a:fillRef idx="1">
+              <a:schemeClr val="dk2">
+                <a:hueOff val="0"/>
+                <a:satOff val="0"/>
+                <a:lumOff val="0"/>
+                <a:alphaOff val="0"/>
+              </a:schemeClr>
+            </a:fillRef>
+            <a:effectRef idx="0">
+              <a:schemeClr val="dk2">
+                <a:hueOff val="0"/>
+                <a:satOff val="0"/>
+                <a:lumOff val="0"/>
+                <a:alphaOff val="0"/>
+              </a:schemeClr>
+            </a:effectRef>
+            <a:fontRef idx="minor">
+              <a:schemeClr val="lt1"/>
+            </a:fontRef>
+          </p:style>
+          <p:txBody>
+            <a:bodyPr spcFirstLastPara="0" vert="horz" wrap="square" lIns="66488" tIns="66488" rIns="66488" bIns="66488" numCol="1" spcCol="1270" anchor="ctr" anchorCtr="0">
+              <a:noAutofit/>
+            </a:bodyPr>
+            <a:lstStyle/>
+            <a:p>
+              <a:pPr marL="0" lvl="0" indent="0" algn="ctr" defTabSz="666750">
+                <a:lnSpc>
+                  <a:spcPct val="90000"/>
+                </a:lnSpc>
+                <a:spcBef>
+                  <a:spcPct val="0"/>
+                </a:spcBef>
+                <a:spcAft>
+                  <a:spcPct val="35000"/>
+                </a:spcAft>
+                <a:buNone/>
+              </a:pPr>
+              <a:r>
+                <a:rPr lang="en-US" altLang="zh-CN" sz="4000" kern="1200" dirty="0">
+                  <a:solidFill>
+                    <a:schemeClr val="accent1"/>
+                  </a:solidFill>
+                  <a:latin typeface="Bodoni MT Black" panose="02070A03080606020203" pitchFamily="18" charset="0"/>
+                </a:rPr>
+                <a:t>8</a:t>
+              </a:r>
+              <a:endParaRPr lang="zh-CN" altLang="en-US" sz="4000" kern="1200" dirty="0">
+                <a:solidFill>
+                  <a:schemeClr val="accent1"/>
+                </a:solidFill>
+                <a:latin typeface="Bodoni MT Black" panose="02070A03080606020203" pitchFamily="18" charset="0"/>
+              </a:endParaRPr>
+            </a:p>
+          </p:txBody>
+        </p:sp>
+        <p:sp>
+          <p:nvSpPr>
+            <p:cNvPr id="17" name="任意多边形: 形状 16">
+              <a:extLst>
+                <a:ext uri="{FF2B5EF4-FFF2-40B4-BE49-F238E27FC236}">
+                  <a16:creationId xmlns:a16="http://schemas.microsoft.com/office/drawing/2014/main" id="{26F06B5F-E6E5-4476-813A-05F1A984F1A6}"/>
+                </a:ext>
+              </a:extLst>
+            </p:cNvPr>
+            <p:cNvSpPr/>
+            <p:nvPr/>
+          </p:nvSpPr>
+          <p:spPr>
+            <a:xfrm>
+              <a:off x="4894382" y="2866214"/>
+              <a:ext cx="388971" cy="388971"/>
+            </a:xfrm>
+            <a:custGeom>
+              <a:avLst/>
+              <a:gdLst>
+                <a:gd name="connsiteX0" fmla="*/ 0 w 388971"/>
+                <a:gd name="connsiteY0" fmla="*/ 194486 h 388971"/>
+                <a:gd name="connsiteX1" fmla="*/ 194486 w 388971"/>
+                <a:gd name="connsiteY1" fmla="*/ 0 h 388971"/>
+                <a:gd name="connsiteX2" fmla="*/ 388972 w 388971"/>
+                <a:gd name="connsiteY2" fmla="*/ 194486 h 388971"/>
+                <a:gd name="connsiteX3" fmla="*/ 194486 w 388971"/>
+                <a:gd name="connsiteY3" fmla="*/ 388972 h 388971"/>
+                <a:gd name="connsiteX4" fmla="*/ 0 w 388971"/>
+                <a:gd name="connsiteY4" fmla="*/ 194486 h 388971"/>
+              </a:gdLst>
+              <a:ahLst/>
+              <a:cxnLst>
+                <a:cxn ang="0">
+                  <a:pos x="connsiteX0" y="connsiteY0"/>
+                </a:cxn>
+                <a:cxn ang="0">
+                  <a:pos x="connsiteX1" y="connsiteY1"/>
+                </a:cxn>
+                <a:cxn ang="0">
+                  <a:pos x="connsiteX2" y="connsiteY2"/>
+                </a:cxn>
+                <a:cxn ang="0">
+                  <a:pos x="connsiteX3" y="connsiteY3"/>
+                </a:cxn>
+                <a:cxn ang="0">
+                  <a:pos x="connsiteX4" y="connsiteY4"/>
+                </a:cxn>
+              </a:cxnLst>
+              <a:rect l="l" t="t" r="r" b="b"/>
+              <a:pathLst>
+                <a:path w="388971" h="388971">
+                  <a:moveTo>
+                    <a:pt x="0" y="194486"/>
+                  </a:moveTo>
+                  <a:cubicBezTo>
+                    <a:pt x="0" y="87074"/>
+                    <a:pt x="87074" y="0"/>
+                    <a:pt x="194486" y="0"/>
+                  </a:cubicBezTo>
+                  <a:cubicBezTo>
+                    <a:pt x="301898" y="0"/>
+                    <a:pt x="388972" y="87074"/>
+                    <a:pt x="388972" y="194486"/>
+                  </a:cubicBezTo>
+                  <a:cubicBezTo>
+                    <a:pt x="388972" y="301898"/>
+                    <a:pt x="301898" y="388972"/>
+                    <a:pt x="194486" y="388972"/>
+                  </a:cubicBezTo>
+                  <a:cubicBezTo>
+                    <a:pt x="87074" y="388972"/>
+                    <a:pt x="0" y="301898"/>
+                    <a:pt x="0" y="194486"/>
+                  </a:cubicBezTo>
+                  <a:close/>
+                </a:path>
+              </a:pathLst>
+            </a:custGeom>
+            <a:noFill/>
+            <a:ln>
+              <a:noFill/>
+            </a:ln>
+          </p:spPr>
+          <p:style>
+            <a:lnRef idx="2">
+              <a:schemeClr val="lt2">
+                <a:hueOff val="0"/>
+                <a:satOff val="0"/>
+                <a:lumOff val="0"/>
+                <a:alphaOff val="0"/>
+              </a:schemeClr>
+            </a:lnRef>
+            <a:fillRef idx="1">
+              <a:schemeClr val="dk2">
+                <a:hueOff val="0"/>
+                <a:satOff val="0"/>
+                <a:lumOff val="0"/>
+                <a:alphaOff val="0"/>
+              </a:schemeClr>
+            </a:fillRef>
+            <a:effectRef idx="0">
+              <a:schemeClr val="dk2">
+                <a:hueOff val="0"/>
+                <a:satOff val="0"/>
+                <a:lumOff val="0"/>
+                <a:alphaOff val="0"/>
+              </a:schemeClr>
+            </a:effectRef>
+            <a:fontRef idx="minor">
+              <a:schemeClr val="lt1"/>
+            </a:fontRef>
+          </p:style>
+          <p:txBody>
+            <a:bodyPr spcFirstLastPara="0" vert="horz" wrap="square" lIns="66488" tIns="66488" rIns="66488" bIns="66488" numCol="1" spcCol="1270" anchor="ctr" anchorCtr="0">
+              <a:noAutofit/>
+            </a:bodyPr>
+            <a:lstStyle/>
+            <a:p>
+              <a:pPr marL="0" lvl="0" indent="0" algn="ctr" defTabSz="666750">
+                <a:lnSpc>
+                  <a:spcPct val="90000"/>
+                </a:lnSpc>
+                <a:spcBef>
+                  <a:spcPct val="0"/>
+                </a:spcBef>
+                <a:spcAft>
+                  <a:spcPct val="35000"/>
+                </a:spcAft>
+                <a:buNone/>
+              </a:pPr>
+              <a:r>
+                <a:rPr lang="en-US" altLang="zh-CN" sz="4000" kern="1200" dirty="0">
+                  <a:solidFill>
+                    <a:schemeClr val="accent1"/>
+                  </a:solidFill>
+                  <a:latin typeface="Bodoni MT Black" panose="02070A03080606020203" pitchFamily="18" charset="0"/>
+                </a:rPr>
+                <a:t>9</a:t>
+              </a:r>
+              <a:endParaRPr lang="zh-CN" altLang="en-US" sz="4000" kern="1200" dirty="0">
+                <a:solidFill>
+                  <a:schemeClr val="accent1"/>
+                </a:solidFill>
+                <a:latin typeface="Bodoni MT Black" panose="02070A03080606020203" pitchFamily="18" charset="0"/>
+              </a:endParaRPr>
+            </a:p>
+          </p:txBody>
+        </p:sp>
+        <p:sp>
+          <p:nvSpPr>
+            <p:cNvPr id="18" name="任意多边形: 形状 17">
+              <a:extLst>
+                <a:ext uri="{FF2B5EF4-FFF2-40B4-BE49-F238E27FC236}">
+                  <a16:creationId xmlns:a16="http://schemas.microsoft.com/office/drawing/2014/main" id="{B3CEECAA-4749-4993-B4BB-8EE5296428EB}"/>
+                </a:ext>
+              </a:extLst>
+            </p:cNvPr>
+            <p:cNvSpPr/>
+            <p:nvPr/>
+          </p:nvSpPr>
+          <p:spPr>
+            <a:xfrm>
+              <a:off x="5025484" y="2376935"/>
+              <a:ext cx="388971" cy="388971"/>
+            </a:xfrm>
+            <a:custGeom>
+              <a:avLst/>
+              <a:gdLst>
+                <a:gd name="connsiteX0" fmla="*/ 0 w 388971"/>
+                <a:gd name="connsiteY0" fmla="*/ 194486 h 388971"/>
+                <a:gd name="connsiteX1" fmla="*/ 194486 w 388971"/>
+                <a:gd name="connsiteY1" fmla="*/ 0 h 388971"/>
+                <a:gd name="connsiteX2" fmla="*/ 388972 w 388971"/>
+                <a:gd name="connsiteY2" fmla="*/ 194486 h 388971"/>
+                <a:gd name="connsiteX3" fmla="*/ 194486 w 388971"/>
+                <a:gd name="connsiteY3" fmla="*/ 388972 h 388971"/>
+                <a:gd name="connsiteX4" fmla="*/ 0 w 388971"/>
+                <a:gd name="connsiteY4" fmla="*/ 194486 h 388971"/>
+              </a:gdLst>
+              <a:ahLst/>
+              <a:cxnLst>
+                <a:cxn ang="0">
+                  <a:pos x="connsiteX0" y="connsiteY0"/>
+                </a:cxn>
+                <a:cxn ang="0">
+                  <a:pos x="connsiteX1" y="connsiteY1"/>
+                </a:cxn>
+                <a:cxn ang="0">
+                  <a:pos x="connsiteX2" y="connsiteY2"/>
+                </a:cxn>
+                <a:cxn ang="0">
+                  <a:pos x="connsiteX3" y="connsiteY3"/>
+                </a:cxn>
+                <a:cxn ang="0">
+                  <a:pos x="connsiteX4" y="connsiteY4"/>
+                </a:cxn>
+              </a:cxnLst>
+              <a:rect l="l" t="t" r="r" b="b"/>
+              <a:pathLst>
+                <a:path w="388971" h="388971">
+                  <a:moveTo>
+                    <a:pt x="0" y="194486"/>
+                  </a:moveTo>
+                  <a:cubicBezTo>
+                    <a:pt x="0" y="87074"/>
+                    <a:pt x="87074" y="0"/>
+                    <a:pt x="194486" y="0"/>
+                  </a:cubicBezTo>
+                  <a:cubicBezTo>
+                    <a:pt x="301898" y="0"/>
+                    <a:pt x="388972" y="87074"/>
+                    <a:pt x="388972" y="194486"/>
+                  </a:cubicBezTo>
+                  <a:cubicBezTo>
+                    <a:pt x="388972" y="301898"/>
+                    <a:pt x="301898" y="388972"/>
+                    <a:pt x="194486" y="388972"/>
+                  </a:cubicBezTo>
+                  <a:cubicBezTo>
+                    <a:pt x="87074" y="388972"/>
+                    <a:pt x="0" y="301898"/>
+                    <a:pt x="0" y="194486"/>
+                  </a:cubicBezTo>
+                  <a:close/>
+                </a:path>
+              </a:pathLst>
+            </a:custGeom>
+            <a:noFill/>
+            <a:ln>
+              <a:noFill/>
+            </a:ln>
+          </p:spPr>
+          <p:style>
+            <a:lnRef idx="2">
+              <a:schemeClr val="lt2">
+                <a:hueOff val="0"/>
+                <a:satOff val="0"/>
+                <a:lumOff val="0"/>
+                <a:alphaOff val="0"/>
+              </a:schemeClr>
+            </a:lnRef>
+            <a:fillRef idx="1">
+              <a:schemeClr val="dk2">
+                <a:hueOff val="0"/>
+                <a:satOff val="0"/>
+                <a:lumOff val="0"/>
+                <a:alphaOff val="0"/>
+              </a:schemeClr>
+            </a:fillRef>
+            <a:effectRef idx="0">
+              <a:schemeClr val="dk2">
+                <a:hueOff val="0"/>
+                <a:satOff val="0"/>
+                <a:lumOff val="0"/>
+                <a:alphaOff val="0"/>
+              </a:schemeClr>
+            </a:effectRef>
+            <a:fontRef idx="minor">
+              <a:schemeClr val="lt1"/>
+            </a:fontRef>
+          </p:style>
+          <p:txBody>
+            <a:bodyPr spcFirstLastPara="0" vert="horz" wrap="square" lIns="66488" tIns="66488" rIns="66488" bIns="66488" numCol="1" spcCol="1270" anchor="ctr" anchorCtr="0">
+              <a:noAutofit/>
+            </a:bodyPr>
+            <a:lstStyle/>
+            <a:p>
+              <a:pPr marL="0" lvl="0" indent="0" algn="ctr" defTabSz="666750">
+                <a:lnSpc>
+                  <a:spcPct val="90000"/>
+                </a:lnSpc>
+                <a:spcBef>
+                  <a:spcPct val="0"/>
+                </a:spcBef>
+                <a:spcAft>
+                  <a:spcPct val="35000"/>
+                </a:spcAft>
+                <a:buNone/>
+              </a:pPr>
+              <a:r>
+                <a:rPr lang="en-US" altLang="zh-CN" sz="4000" kern="1200" dirty="0">
+                  <a:solidFill>
+                    <a:schemeClr val="accent1"/>
+                  </a:solidFill>
+                  <a:latin typeface="Bodoni MT Black" panose="02070A03080606020203" pitchFamily="18" charset="0"/>
+                </a:rPr>
+                <a:t>10</a:t>
+              </a:r>
+              <a:endParaRPr lang="zh-CN" altLang="en-US" sz="4000" kern="1200" dirty="0">
+                <a:solidFill>
+                  <a:schemeClr val="accent1"/>
+                </a:solidFill>
+                <a:latin typeface="Bodoni MT Black" panose="02070A03080606020203" pitchFamily="18" charset="0"/>
+              </a:endParaRPr>
+            </a:p>
+          </p:txBody>
+        </p:sp>
+        <p:sp>
+          <p:nvSpPr>
+            <p:cNvPr id="19" name="任意多边形: 形状 18">
+              <a:extLst>
+                <a:ext uri="{FF2B5EF4-FFF2-40B4-BE49-F238E27FC236}">
+                  <a16:creationId xmlns:a16="http://schemas.microsoft.com/office/drawing/2014/main" id="{D09B930D-3C5F-4906-A2E3-6E9607FBFF4D}"/>
+                </a:ext>
+              </a:extLst>
+            </p:cNvPr>
+            <p:cNvSpPr/>
+            <p:nvPr/>
+          </p:nvSpPr>
+          <p:spPr>
+            <a:xfrm>
+              <a:off x="5383660" y="2018759"/>
+              <a:ext cx="388971" cy="388971"/>
+            </a:xfrm>
+            <a:custGeom>
+              <a:avLst/>
+              <a:gdLst>
+                <a:gd name="connsiteX0" fmla="*/ 0 w 388971"/>
+                <a:gd name="connsiteY0" fmla="*/ 194486 h 388971"/>
+                <a:gd name="connsiteX1" fmla="*/ 194486 w 388971"/>
+                <a:gd name="connsiteY1" fmla="*/ 0 h 388971"/>
+                <a:gd name="connsiteX2" fmla="*/ 388972 w 388971"/>
+                <a:gd name="connsiteY2" fmla="*/ 194486 h 388971"/>
+                <a:gd name="connsiteX3" fmla="*/ 194486 w 388971"/>
+                <a:gd name="connsiteY3" fmla="*/ 388972 h 388971"/>
+                <a:gd name="connsiteX4" fmla="*/ 0 w 388971"/>
+                <a:gd name="connsiteY4" fmla="*/ 194486 h 388971"/>
+              </a:gdLst>
+              <a:ahLst/>
+              <a:cxnLst>
+                <a:cxn ang="0">
+                  <a:pos x="connsiteX0" y="connsiteY0"/>
+                </a:cxn>
+                <a:cxn ang="0">
+                  <a:pos x="connsiteX1" y="connsiteY1"/>
+                </a:cxn>
+                <a:cxn ang="0">
+                  <a:pos x="connsiteX2" y="connsiteY2"/>
+                </a:cxn>
+                <a:cxn ang="0">
+                  <a:pos x="connsiteX3" y="connsiteY3"/>
+                </a:cxn>
+                <a:cxn ang="0">
+                  <a:pos x="connsiteX4" y="connsiteY4"/>
+                </a:cxn>
+              </a:cxnLst>
+              <a:rect l="l" t="t" r="r" b="b"/>
+              <a:pathLst>
+                <a:path w="388971" h="388971">
+                  <a:moveTo>
+                    <a:pt x="0" y="194486"/>
+                  </a:moveTo>
+                  <a:cubicBezTo>
+                    <a:pt x="0" y="87074"/>
+                    <a:pt x="87074" y="0"/>
+                    <a:pt x="194486" y="0"/>
+                  </a:cubicBezTo>
+                  <a:cubicBezTo>
+                    <a:pt x="301898" y="0"/>
+                    <a:pt x="388972" y="87074"/>
+                    <a:pt x="388972" y="194486"/>
+                  </a:cubicBezTo>
+                  <a:cubicBezTo>
+                    <a:pt x="388972" y="301898"/>
+                    <a:pt x="301898" y="388972"/>
+                    <a:pt x="194486" y="388972"/>
+                  </a:cubicBezTo>
+                  <a:cubicBezTo>
+                    <a:pt x="87074" y="388972"/>
+                    <a:pt x="0" y="301898"/>
+                    <a:pt x="0" y="194486"/>
+                  </a:cubicBezTo>
+                  <a:close/>
+                </a:path>
+              </a:pathLst>
+            </a:custGeom>
+            <a:noFill/>
+            <a:ln>
+              <a:noFill/>
+            </a:ln>
+          </p:spPr>
+          <p:style>
+            <a:lnRef idx="2">
+              <a:schemeClr val="lt2">
+                <a:hueOff val="0"/>
+                <a:satOff val="0"/>
+                <a:lumOff val="0"/>
+                <a:alphaOff val="0"/>
+              </a:schemeClr>
+            </a:lnRef>
+            <a:fillRef idx="1">
+              <a:schemeClr val="dk2">
+                <a:hueOff val="0"/>
+                <a:satOff val="0"/>
+                <a:lumOff val="0"/>
+                <a:alphaOff val="0"/>
+              </a:schemeClr>
+            </a:fillRef>
+            <a:effectRef idx="0">
+              <a:schemeClr val="dk2">
+                <a:hueOff val="0"/>
+                <a:satOff val="0"/>
+                <a:lumOff val="0"/>
+                <a:alphaOff val="0"/>
+              </a:schemeClr>
+            </a:effectRef>
+            <a:fontRef idx="minor">
+              <a:schemeClr val="lt1"/>
+            </a:fontRef>
+          </p:style>
+          <p:txBody>
+            <a:bodyPr spcFirstLastPara="0" vert="horz" wrap="square" lIns="66488" tIns="66488" rIns="66488" bIns="66488" numCol="1" spcCol="1270" anchor="ctr" anchorCtr="0">
+              <a:noAutofit/>
+            </a:bodyPr>
+            <a:lstStyle/>
+            <a:p>
+              <a:pPr marL="0" lvl="0" indent="0" algn="ctr" defTabSz="666750">
+                <a:lnSpc>
+                  <a:spcPct val="90000"/>
+                </a:lnSpc>
+                <a:spcBef>
+                  <a:spcPct val="0"/>
+                </a:spcBef>
+                <a:spcAft>
+                  <a:spcPct val="35000"/>
+                </a:spcAft>
+                <a:buNone/>
+              </a:pPr>
+              <a:r>
+                <a:rPr lang="en-US" altLang="zh-CN" sz="4000" kern="1200" dirty="0">
+                  <a:solidFill>
+                    <a:schemeClr val="accent1"/>
+                  </a:solidFill>
+                  <a:latin typeface="Bodoni MT Black" panose="02070A03080606020203" pitchFamily="18" charset="0"/>
+                </a:rPr>
+                <a:t>11</a:t>
+              </a:r>
+              <a:endParaRPr lang="zh-CN" altLang="en-US" sz="4000" kern="1200" dirty="0">
+                <a:solidFill>
+                  <a:schemeClr val="accent1"/>
+                </a:solidFill>
+                <a:latin typeface="Bodoni MT Black" panose="02070A03080606020203" pitchFamily="18" charset="0"/>
+              </a:endParaRPr>
+            </a:p>
+          </p:txBody>
+        </p:sp>
+      </p:grpSp>
     </p:spTree>
     <p:extLst>
       <p:ext uri="{BB962C8B-B14F-4D97-AF65-F5344CB8AC3E}">
@@ -3754,8 +5611,8 @@
         </p:nvGrpSpPr>
         <p:grpSpPr>
           <a:xfrm>
-            <a:off x="2824306" y="891208"/>
-            <a:ext cx="6543387" cy="5075583"/>
+            <a:off x="2845200" y="909000"/>
+            <a:ext cx="6497513" cy="5040000"/>
             <a:chOff x="4552950" y="1885950"/>
             <a:chExt cx="3028950" cy="2349500"/>
           </a:xfrm>
@@ -7922,6 +9779,1979 @@
 </p:sld>
 </file>
 
+<file path=ppt/slides/slide7.xml><?xml version="1.0" encoding="utf-8"?>
+<p:sld xmlns:a="http://schemas.openxmlformats.org/drawingml/2006/main" xmlns:r="http://schemas.openxmlformats.org/officeDocument/2006/relationships" xmlns:p="http://schemas.openxmlformats.org/presentationml/2006/main">
+  <p:cSld>
+    <p:spTree>
+      <p:nvGrpSpPr>
+        <p:cNvPr id="1" name=""/>
+        <p:cNvGrpSpPr/>
+        <p:nvPr/>
+      </p:nvGrpSpPr>
+      <p:grpSpPr>
+        <a:xfrm>
+          <a:off x="0" y="0"/>
+          <a:ext cx="0" cy="0"/>
+          <a:chOff x="0" y="0"/>
+          <a:chExt cx="0" cy="0"/>
+        </a:xfrm>
+      </p:grpSpPr>
+      <p:sp>
+        <p:nvSpPr>
+          <p:cNvPr id="4" name="矩形: 圆角 3">
+            <a:extLst>
+              <a:ext uri="{FF2B5EF4-FFF2-40B4-BE49-F238E27FC236}">
+                <a16:creationId xmlns:a16="http://schemas.microsoft.com/office/drawing/2014/main" id="{9D5184A7-06C6-40F2-A8FF-2C7A942E7589}"/>
+              </a:ext>
+            </a:extLst>
+          </p:cNvPr>
+          <p:cNvSpPr/>
+          <p:nvPr/>
+        </p:nvSpPr>
+        <p:spPr>
+          <a:xfrm>
+            <a:off x="1536701" y="433270"/>
+            <a:ext cx="5867400" cy="5868000"/>
+          </a:xfrm>
+          <a:prstGeom prst="roundRect">
+            <a:avLst/>
+          </a:prstGeom>
+        </p:spPr>
+        <p:style>
+          <a:lnRef idx="2">
+            <a:schemeClr val="accent1">
+              <a:shade val="50000"/>
+            </a:schemeClr>
+          </a:lnRef>
+          <a:fillRef idx="1">
+            <a:schemeClr val="accent1"/>
+          </a:fillRef>
+          <a:effectRef idx="0">
+            <a:schemeClr val="accent1"/>
+          </a:effectRef>
+          <a:fontRef idx="minor">
+            <a:schemeClr val="lt1"/>
+          </a:fontRef>
+        </p:style>
+        <p:txBody>
+          <a:bodyPr rtlCol="0" anchor="ctr"/>
+          <a:lstStyle/>
+          <a:p>
+            <a:pPr algn="ctr"/>
+            <a:endParaRPr lang="zh-CN" altLang="en-US"/>
+          </a:p>
+        </p:txBody>
+      </p:sp>
+      <p:sp>
+        <p:nvSpPr>
+          <p:cNvPr id="5" name="椭圆 4">
+            <a:extLst>
+              <a:ext uri="{FF2B5EF4-FFF2-40B4-BE49-F238E27FC236}">
+                <a16:creationId xmlns:a16="http://schemas.microsoft.com/office/drawing/2014/main" id="{B545CD83-4DB8-4E7A-BBC6-EA9869B8E31E}"/>
+              </a:ext>
+            </a:extLst>
+          </p:cNvPr>
+          <p:cNvSpPr/>
+          <p:nvPr/>
+        </p:nvSpPr>
+        <p:spPr>
+          <a:xfrm>
+            <a:off x="1669938" y="734395"/>
+            <a:ext cx="5600927" cy="5443550"/>
+          </a:xfrm>
+          <a:prstGeom prst="ellipse">
+            <a:avLst/>
+          </a:prstGeom>
+          <a:blipFill>
+            <a:blip r:embed="rId2">
+              <a:alphaModFix amt="82000"/>
+            </a:blip>
+            <a:tile tx="0" ty="0" sx="100000" sy="100000" flip="none" algn="tl"/>
+          </a:blipFill>
+          <a:ln w="28575">
+            <a:solidFill>
+              <a:schemeClr val="accent2"/>
+            </a:solidFill>
+          </a:ln>
+        </p:spPr>
+        <p:style>
+          <a:lnRef idx="2">
+            <a:schemeClr val="accent1">
+              <a:shade val="50000"/>
+            </a:schemeClr>
+          </a:lnRef>
+          <a:fillRef idx="1">
+            <a:schemeClr val="accent1"/>
+          </a:fillRef>
+          <a:effectRef idx="0">
+            <a:schemeClr val="accent1"/>
+          </a:effectRef>
+          <a:fontRef idx="minor">
+            <a:schemeClr val="lt1"/>
+          </a:fontRef>
+        </p:style>
+        <p:txBody>
+          <a:bodyPr rtlCol="0" anchor="ctr"/>
+          <a:lstStyle/>
+          <a:p>
+            <a:pPr algn="ctr"/>
+            <a:endParaRPr lang="zh-CN" altLang="en-US" sz="2000" dirty="0">
+              <a:latin typeface="Bodoni MT Black" panose="02070A03080606020203" pitchFamily="18" charset="0"/>
+            </a:endParaRPr>
+          </a:p>
+        </p:txBody>
+      </p:sp>
+      <p:grpSp>
+        <p:nvGrpSpPr>
+          <p:cNvPr id="6" name="组合 5">
+            <a:extLst>
+              <a:ext uri="{FF2B5EF4-FFF2-40B4-BE49-F238E27FC236}">
+                <a16:creationId xmlns:a16="http://schemas.microsoft.com/office/drawing/2014/main" id="{428CC9F5-D62B-48B7-8E15-707C41A7A00B}"/>
+              </a:ext>
+            </a:extLst>
+          </p:cNvPr>
+          <p:cNvGrpSpPr>
+            <a:grpSpLocks noChangeAspect="1"/>
+          </p:cNvGrpSpPr>
+          <p:nvPr/>
+        </p:nvGrpSpPr>
+        <p:grpSpPr>
+          <a:xfrm>
+            <a:off x="832528" y="680658"/>
+            <a:ext cx="7263123" cy="5633869"/>
+            <a:chOff x="4552950" y="1885950"/>
+            <a:chExt cx="3028950" cy="2349500"/>
+          </a:xfrm>
+        </p:grpSpPr>
+        <p:sp>
+          <p:nvSpPr>
+            <p:cNvPr id="7" name="矩形 6">
+              <a:extLst>
+                <a:ext uri="{FF2B5EF4-FFF2-40B4-BE49-F238E27FC236}">
+                  <a16:creationId xmlns:a16="http://schemas.microsoft.com/office/drawing/2014/main" id="{6A845F69-41A3-4591-B2DE-00448EBEE450}"/>
+                </a:ext>
+              </a:extLst>
+            </p:cNvPr>
+            <p:cNvSpPr/>
+            <p:nvPr/>
+          </p:nvSpPr>
+          <p:spPr>
+            <a:xfrm>
+              <a:off x="4552950" y="1885950"/>
+              <a:ext cx="3028950" cy="2349500"/>
+            </a:xfrm>
+            <a:prstGeom prst="rect">
+              <a:avLst/>
+            </a:prstGeom>
+            <a:ln w="3175">
+              <a:noFill/>
+            </a:ln>
+          </p:spPr>
+        </p:sp>
+        <p:sp>
+          <p:nvSpPr>
+            <p:cNvPr id="8" name="任意多边形: 形状 7">
+              <a:extLst>
+                <a:ext uri="{FF2B5EF4-FFF2-40B4-BE49-F238E27FC236}">
+                  <a16:creationId xmlns:a16="http://schemas.microsoft.com/office/drawing/2014/main" id="{9D52270F-EF26-492F-8DB1-4A766120A00B}"/>
+                </a:ext>
+              </a:extLst>
+            </p:cNvPr>
+            <p:cNvSpPr>
+              <a:spLocks noChangeAspect="1"/>
+            </p:cNvSpPr>
+            <p:nvPr/>
+          </p:nvSpPr>
+          <p:spPr>
+            <a:xfrm>
+              <a:off x="5872939" y="1887657"/>
+              <a:ext cx="388971" cy="388971"/>
+            </a:xfrm>
+            <a:custGeom>
+              <a:avLst/>
+              <a:gdLst>
+                <a:gd name="connsiteX0" fmla="*/ 0 w 388971"/>
+                <a:gd name="connsiteY0" fmla="*/ 194486 h 388971"/>
+                <a:gd name="connsiteX1" fmla="*/ 194486 w 388971"/>
+                <a:gd name="connsiteY1" fmla="*/ 0 h 388971"/>
+                <a:gd name="connsiteX2" fmla="*/ 388972 w 388971"/>
+                <a:gd name="connsiteY2" fmla="*/ 194486 h 388971"/>
+                <a:gd name="connsiteX3" fmla="*/ 194486 w 388971"/>
+                <a:gd name="connsiteY3" fmla="*/ 388972 h 388971"/>
+                <a:gd name="connsiteX4" fmla="*/ 0 w 388971"/>
+                <a:gd name="connsiteY4" fmla="*/ 194486 h 388971"/>
+              </a:gdLst>
+              <a:ahLst/>
+              <a:cxnLst>
+                <a:cxn ang="0">
+                  <a:pos x="connsiteX0" y="connsiteY0"/>
+                </a:cxn>
+                <a:cxn ang="0">
+                  <a:pos x="connsiteX1" y="connsiteY1"/>
+                </a:cxn>
+                <a:cxn ang="0">
+                  <a:pos x="connsiteX2" y="connsiteY2"/>
+                </a:cxn>
+                <a:cxn ang="0">
+                  <a:pos x="connsiteX3" y="connsiteY3"/>
+                </a:cxn>
+                <a:cxn ang="0">
+                  <a:pos x="connsiteX4" y="connsiteY4"/>
+                </a:cxn>
+              </a:cxnLst>
+              <a:rect l="l" t="t" r="r" b="b"/>
+              <a:pathLst>
+                <a:path w="388971" h="388971">
+                  <a:moveTo>
+                    <a:pt x="0" y="194486"/>
+                  </a:moveTo>
+                  <a:cubicBezTo>
+                    <a:pt x="0" y="87074"/>
+                    <a:pt x="87074" y="0"/>
+                    <a:pt x="194486" y="0"/>
+                  </a:cubicBezTo>
+                  <a:cubicBezTo>
+                    <a:pt x="301898" y="0"/>
+                    <a:pt x="388972" y="87074"/>
+                    <a:pt x="388972" y="194486"/>
+                  </a:cubicBezTo>
+                  <a:cubicBezTo>
+                    <a:pt x="388972" y="301898"/>
+                    <a:pt x="301898" y="388972"/>
+                    <a:pt x="194486" y="388972"/>
+                  </a:cubicBezTo>
+                  <a:cubicBezTo>
+                    <a:pt x="87074" y="388972"/>
+                    <a:pt x="0" y="301898"/>
+                    <a:pt x="0" y="194486"/>
+                  </a:cubicBezTo>
+                  <a:close/>
+                </a:path>
+              </a:pathLst>
+            </a:custGeom>
+            <a:noFill/>
+            <a:ln>
+              <a:noFill/>
+            </a:ln>
+          </p:spPr>
+          <p:style>
+            <a:lnRef idx="2">
+              <a:schemeClr val="lt2">
+                <a:hueOff val="0"/>
+                <a:satOff val="0"/>
+                <a:lumOff val="0"/>
+                <a:alphaOff val="0"/>
+              </a:schemeClr>
+            </a:lnRef>
+            <a:fillRef idx="1">
+              <a:schemeClr val="dk2">
+                <a:hueOff val="0"/>
+                <a:satOff val="0"/>
+                <a:lumOff val="0"/>
+                <a:alphaOff val="0"/>
+              </a:schemeClr>
+            </a:fillRef>
+            <a:effectRef idx="0">
+              <a:schemeClr val="dk2">
+                <a:hueOff val="0"/>
+                <a:satOff val="0"/>
+                <a:lumOff val="0"/>
+                <a:alphaOff val="0"/>
+              </a:schemeClr>
+            </a:effectRef>
+            <a:fontRef idx="minor">
+              <a:schemeClr val="lt1"/>
+            </a:fontRef>
+          </p:style>
+          <p:txBody>
+            <a:bodyPr spcFirstLastPara="0" vert="horz" wrap="square" lIns="66488" tIns="66488" rIns="66488" bIns="66488" numCol="1" spcCol="1270" anchor="ctr" anchorCtr="0">
+              <a:noAutofit/>
+            </a:bodyPr>
+            <a:lstStyle/>
+            <a:p>
+              <a:pPr marL="0" lvl="0" indent="0" algn="ctr" defTabSz="666750">
+                <a:lnSpc>
+                  <a:spcPct val="90000"/>
+                </a:lnSpc>
+                <a:spcBef>
+                  <a:spcPct val="0"/>
+                </a:spcBef>
+                <a:spcAft>
+                  <a:spcPct val="35000"/>
+                </a:spcAft>
+                <a:buNone/>
+              </a:pPr>
+              <a:r>
+                <a:rPr lang="en-US" altLang="zh-CN" sz="4400" kern="1200" dirty="0">
+                  <a:solidFill>
+                    <a:schemeClr val="accent1"/>
+                  </a:solidFill>
+                  <a:latin typeface="Bodoni MT Black" panose="02070A03080606020203" pitchFamily="18" charset="0"/>
+                </a:rPr>
+                <a:t>12</a:t>
+              </a:r>
+              <a:endParaRPr lang="zh-CN" altLang="en-US" sz="4400" kern="1200" dirty="0">
+                <a:solidFill>
+                  <a:schemeClr val="accent1"/>
+                </a:solidFill>
+                <a:latin typeface="Bodoni MT Black" panose="02070A03080606020203" pitchFamily="18" charset="0"/>
+              </a:endParaRPr>
+            </a:p>
+          </p:txBody>
+        </p:sp>
+        <p:sp>
+          <p:nvSpPr>
+            <p:cNvPr id="9" name="任意多边形: 形状 8">
+              <a:extLst>
+                <a:ext uri="{FF2B5EF4-FFF2-40B4-BE49-F238E27FC236}">
+                  <a16:creationId xmlns:a16="http://schemas.microsoft.com/office/drawing/2014/main" id="{69620BEA-1F31-4CC0-8CC5-082E2E899AE4}"/>
+                </a:ext>
+              </a:extLst>
+            </p:cNvPr>
+            <p:cNvSpPr/>
+            <p:nvPr/>
+          </p:nvSpPr>
+          <p:spPr>
+            <a:xfrm>
+              <a:off x="6362217" y="2018759"/>
+              <a:ext cx="388971" cy="388971"/>
+            </a:xfrm>
+            <a:custGeom>
+              <a:avLst/>
+              <a:gdLst>
+                <a:gd name="connsiteX0" fmla="*/ 0 w 388971"/>
+                <a:gd name="connsiteY0" fmla="*/ 194486 h 388971"/>
+                <a:gd name="connsiteX1" fmla="*/ 194486 w 388971"/>
+                <a:gd name="connsiteY1" fmla="*/ 0 h 388971"/>
+                <a:gd name="connsiteX2" fmla="*/ 388972 w 388971"/>
+                <a:gd name="connsiteY2" fmla="*/ 194486 h 388971"/>
+                <a:gd name="connsiteX3" fmla="*/ 194486 w 388971"/>
+                <a:gd name="connsiteY3" fmla="*/ 388972 h 388971"/>
+                <a:gd name="connsiteX4" fmla="*/ 0 w 388971"/>
+                <a:gd name="connsiteY4" fmla="*/ 194486 h 388971"/>
+              </a:gdLst>
+              <a:ahLst/>
+              <a:cxnLst>
+                <a:cxn ang="0">
+                  <a:pos x="connsiteX0" y="connsiteY0"/>
+                </a:cxn>
+                <a:cxn ang="0">
+                  <a:pos x="connsiteX1" y="connsiteY1"/>
+                </a:cxn>
+                <a:cxn ang="0">
+                  <a:pos x="connsiteX2" y="connsiteY2"/>
+                </a:cxn>
+                <a:cxn ang="0">
+                  <a:pos x="connsiteX3" y="connsiteY3"/>
+                </a:cxn>
+                <a:cxn ang="0">
+                  <a:pos x="connsiteX4" y="connsiteY4"/>
+                </a:cxn>
+              </a:cxnLst>
+              <a:rect l="l" t="t" r="r" b="b"/>
+              <a:pathLst>
+                <a:path w="388971" h="388971">
+                  <a:moveTo>
+                    <a:pt x="0" y="194486"/>
+                  </a:moveTo>
+                  <a:cubicBezTo>
+                    <a:pt x="0" y="87074"/>
+                    <a:pt x="87074" y="0"/>
+                    <a:pt x="194486" y="0"/>
+                  </a:cubicBezTo>
+                  <a:cubicBezTo>
+                    <a:pt x="301898" y="0"/>
+                    <a:pt x="388972" y="87074"/>
+                    <a:pt x="388972" y="194486"/>
+                  </a:cubicBezTo>
+                  <a:cubicBezTo>
+                    <a:pt x="388972" y="301898"/>
+                    <a:pt x="301898" y="388972"/>
+                    <a:pt x="194486" y="388972"/>
+                  </a:cubicBezTo>
+                  <a:cubicBezTo>
+                    <a:pt x="87074" y="388972"/>
+                    <a:pt x="0" y="301898"/>
+                    <a:pt x="0" y="194486"/>
+                  </a:cubicBezTo>
+                  <a:close/>
+                </a:path>
+              </a:pathLst>
+            </a:custGeom>
+            <a:noFill/>
+            <a:ln>
+              <a:noFill/>
+            </a:ln>
+          </p:spPr>
+          <p:style>
+            <a:lnRef idx="2">
+              <a:schemeClr val="lt2">
+                <a:hueOff val="0"/>
+                <a:satOff val="0"/>
+                <a:lumOff val="0"/>
+                <a:alphaOff val="0"/>
+              </a:schemeClr>
+            </a:lnRef>
+            <a:fillRef idx="1">
+              <a:schemeClr val="dk2">
+                <a:hueOff val="0"/>
+                <a:satOff val="0"/>
+                <a:lumOff val="0"/>
+                <a:alphaOff val="0"/>
+              </a:schemeClr>
+            </a:fillRef>
+            <a:effectRef idx="0">
+              <a:schemeClr val="dk2">
+                <a:hueOff val="0"/>
+                <a:satOff val="0"/>
+                <a:lumOff val="0"/>
+                <a:alphaOff val="0"/>
+              </a:schemeClr>
+            </a:effectRef>
+            <a:fontRef idx="minor">
+              <a:schemeClr val="lt1"/>
+            </a:fontRef>
+          </p:style>
+          <p:txBody>
+            <a:bodyPr spcFirstLastPara="0" vert="horz" wrap="square" lIns="66488" tIns="66488" rIns="66488" bIns="66488" numCol="1" spcCol="1270" anchor="ctr" anchorCtr="0">
+              <a:noAutofit/>
+            </a:bodyPr>
+            <a:lstStyle/>
+            <a:p>
+              <a:pPr marL="0" lvl="0" indent="0" algn="ctr" defTabSz="666750">
+                <a:lnSpc>
+                  <a:spcPct val="90000"/>
+                </a:lnSpc>
+                <a:spcBef>
+                  <a:spcPct val="0"/>
+                </a:spcBef>
+                <a:spcAft>
+                  <a:spcPct val="35000"/>
+                </a:spcAft>
+                <a:buNone/>
+              </a:pPr>
+              <a:r>
+                <a:rPr lang="en-US" altLang="zh-CN" sz="4400" kern="1200" dirty="0">
+                  <a:solidFill>
+                    <a:schemeClr val="accent1"/>
+                  </a:solidFill>
+                  <a:latin typeface="Bodoni MT Black" panose="02070A03080606020203" pitchFamily="18" charset="0"/>
+                </a:rPr>
+                <a:t>1</a:t>
+              </a:r>
+              <a:endParaRPr lang="zh-CN" altLang="en-US" sz="4400" kern="1200" dirty="0">
+                <a:solidFill>
+                  <a:schemeClr val="accent1"/>
+                </a:solidFill>
+                <a:latin typeface="Bodoni MT Black" panose="02070A03080606020203" pitchFamily="18" charset="0"/>
+              </a:endParaRPr>
+            </a:p>
+          </p:txBody>
+        </p:sp>
+        <p:sp>
+          <p:nvSpPr>
+            <p:cNvPr id="10" name="任意多边形: 形状 9">
+              <a:extLst>
+                <a:ext uri="{FF2B5EF4-FFF2-40B4-BE49-F238E27FC236}">
+                  <a16:creationId xmlns:a16="http://schemas.microsoft.com/office/drawing/2014/main" id="{FC326F96-A4BA-4810-94CC-8DE4F04C8137}"/>
+                </a:ext>
+              </a:extLst>
+            </p:cNvPr>
+            <p:cNvSpPr/>
+            <p:nvPr/>
+          </p:nvSpPr>
+          <p:spPr>
+            <a:xfrm>
+              <a:off x="6720394" y="2376935"/>
+              <a:ext cx="388971" cy="388971"/>
+            </a:xfrm>
+            <a:custGeom>
+              <a:avLst/>
+              <a:gdLst>
+                <a:gd name="connsiteX0" fmla="*/ 0 w 388971"/>
+                <a:gd name="connsiteY0" fmla="*/ 194486 h 388971"/>
+                <a:gd name="connsiteX1" fmla="*/ 194486 w 388971"/>
+                <a:gd name="connsiteY1" fmla="*/ 0 h 388971"/>
+                <a:gd name="connsiteX2" fmla="*/ 388972 w 388971"/>
+                <a:gd name="connsiteY2" fmla="*/ 194486 h 388971"/>
+                <a:gd name="connsiteX3" fmla="*/ 194486 w 388971"/>
+                <a:gd name="connsiteY3" fmla="*/ 388972 h 388971"/>
+                <a:gd name="connsiteX4" fmla="*/ 0 w 388971"/>
+                <a:gd name="connsiteY4" fmla="*/ 194486 h 388971"/>
+              </a:gdLst>
+              <a:ahLst/>
+              <a:cxnLst>
+                <a:cxn ang="0">
+                  <a:pos x="connsiteX0" y="connsiteY0"/>
+                </a:cxn>
+                <a:cxn ang="0">
+                  <a:pos x="connsiteX1" y="connsiteY1"/>
+                </a:cxn>
+                <a:cxn ang="0">
+                  <a:pos x="connsiteX2" y="connsiteY2"/>
+                </a:cxn>
+                <a:cxn ang="0">
+                  <a:pos x="connsiteX3" y="connsiteY3"/>
+                </a:cxn>
+                <a:cxn ang="0">
+                  <a:pos x="connsiteX4" y="connsiteY4"/>
+                </a:cxn>
+              </a:cxnLst>
+              <a:rect l="l" t="t" r="r" b="b"/>
+              <a:pathLst>
+                <a:path w="388971" h="388971">
+                  <a:moveTo>
+                    <a:pt x="0" y="194486"/>
+                  </a:moveTo>
+                  <a:cubicBezTo>
+                    <a:pt x="0" y="87074"/>
+                    <a:pt x="87074" y="0"/>
+                    <a:pt x="194486" y="0"/>
+                  </a:cubicBezTo>
+                  <a:cubicBezTo>
+                    <a:pt x="301898" y="0"/>
+                    <a:pt x="388972" y="87074"/>
+                    <a:pt x="388972" y="194486"/>
+                  </a:cubicBezTo>
+                  <a:cubicBezTo>
+                    <a:pt x="388972" y="301898"/>
+                    <a:pt x="301898" y="388972"/>
+                    <a:pt x="194486" y="388972"/>
+                  </a:cubicBezTo>
+                  <a:cubicBezTo>
+                    <a:pt x="87074" y="388972"/>
+                    <a:pt x="0" y="301898"/>
+                    <a:pt x="0" y="194486"/>
+                  </a:cubicBezTo>
+                  <a:close/>
+                </a:path>
+              </a:pathLst>
+            </a:custGeom>
+            <a:noFill/>
+            <a:ln>
+              <a:noFill/>
+            </a:ln>
+          </p:spPr>
+          <p:style>
+            <a:lnRef idx="2">
+              <a:schemeClr val="lt2">
+                <a:hueOff val="0"/>
+                <a:satOff val="0"/>
+                <a:lumOff val="0"/>
+                <a:alphaOff val="0"/>
+              </a:schemeClr>
+            </a:lnRef>
+            <a:fillRef idx="1">
+              <a:schemeClr val="dk2">
+                <a:hueOff val="0"/>
+                <a:satOff val="0"/>
+                <a:lumOff val="0"/>
+                <a:alphaOff val="0"/>
+              </a:schemeClr>
+            </a:fillRef>
+            <a:effectRef idx="0">
+              <a:schemeClr val="dk2">
+                <a:hueOff val="0"/>
+                <a:satOff val="0"/>
+                <a:lumOff val="0"/>
+                <a:alphaOff val="0"/>
+              </a:schemeClr>
+            </a:effectRef>
+            <a:fontRef idx="minor">
+              <a:schemeClr val="lt1"/>
+            </a:fontRef>
+          </p:style>
+          <p:txBody>
+            <a:bodyPr spcFirstLastPara="0" vert="horz" wrap="square" lIns="66488" tIns="66488" rIns="66488" bIns="66488" numCol="1" spcCol="1270" anchor="ctr" anchorCtr="0">
+              <a:noAutofit/>
+            </a:bodyPr>
+            <a:lstStyle/>
+            <a:p>
+              <a:pPr marL="0" lvl="0" indent="0" algn="ctr" defTabSz="666750">
+                <a:lnSpc>
+                  <a:spcPct val="90000"/>
+                </a:lnSpc>
+                <a:spcBef>
+                  <a:spcPct val="0"/>
+                </a:spcBef>
+                <a:spcAft>
+                  <a:spcPct val="35000"/>
+                </a:spcAft>
+                <a:buNone/>
+              </a:pPr>
+              <a:r>
+                <a:rPr lang="en-US" altLang="zh-CN" sz="4400" kern="1200" dirty="0">
+                  <a:solidFill>
+                    <a:schemeClr val="accent1"/>
+                  </a:solidFill>
+                  <a:latin typeface="Bodoni MT Black" panose="02070A03080606020203" pitchFamily="18" charset="0"/>
+                </a:rPr>
+                <a:t>2</a:t>
+              </a:r>
+              <a:endParaRPr lang="zh-CN" altLang="en-US" sz="4400" kern="1200" dirty="0">
+                <a:solidFill>
+                  <a:schemeClr val="accent1"/>
+                </a:solidFill>
+                <a:latin typeface="Bodoni MT Black" panose="02070A03080606020203" pitchFamily="18" charset="0"/>
+              </a:endParaRPr>
+            </a:p>
+          </p:txBody>
+        </p:sp>
+        <p:sp>
+          <p:nvSpPr>
+            <p:cNvPr id="11" name="任意多边形: 形状 10">
+              <a:extLst>
+                <a:ext uri="{FF2B5EF4-FFF2-40B4-BE49-F238E27FC236}">
+                  <a16:creationId xmlns:a16="http://schemas.microsoft.com/office/drawing/2014/main" id="{F8FABB65-EBD1-45AD-AC8B-25B82CA8A830}"/>
+                </a:ext>
+              </a:extLst>
+            </p:cNvPr>
+            <p:cNvSpPr/>
+            <p:nvPr/>
+          </p:nvSpPr>
+          <p:spPr>
+            <a:xfrm>
+              <a:off x="6851495" y="2866214"/>
+              <a:ext cx="388971" cy="388971"/>
+            </a:xfrm>
+            <a:custGeom>
+              <a:avLst/>
+              <a:gdLst>
+                <a:gd name="connsiteX0" fmla="*/ 0 w 388971"/>
+                <a:gd name="connsiteY0" fmla="*/ 194486 h 388971"/>
+                <a:gd name="connsiteX1" fmla="*/ 194486 w 388971"/>
+                <a:gd name="connsiteY1" fmla="*/ 0 h 388971"/>
+                <a:gd name="connsiteX2" fmla="*/ 388972 w 388971"/>
+                <a:gd name="connsiteY2" fmla="*/ 194486 h 388971"/>
+                <a:gd name="connsiteX3" fmla="*/ 194486 w 388971"/>
+                <a:gd name="connsiteY3" fmla="*/ 388972 h 388971"/>
+                <a:gd name="connsiteX4" fmla="*/ 0 w 388971"/>
+                <a:gd name="connsiteY4" fmla="*/ 194486 h 388971"/>
+              </a:gdLst>
+              <a:ahLst/>
+              <a:cxnLst>
+                <a:cxn ang="0">
+                  <a:pos x="connsiteX0" y="connsiteY0"/>
+                </a:cxn>
+                <a:cxn ang="0">
+                  <a:pos x="connsiteX1" y="connsiteY1"/>
+                </a:cxn>
+                <a:cxn ang="0">
+                  <a:pos x="connsiteX2" y="connsiteY2"/>
+                </a:cxn>
+                <a:cxn ang="0">
+                  <a:pos x="connsiteX3" y="connsiteY3"/>
+                </a:cxn>
+                <a:cxn ang="0">
+                  <a:pos x="connsiteX4" y="connsiteY4"/>
+                </a:cxn>
+              </a:cxnLst>
+              <a:rect l="l" t="t" r="r" b="b"/>
+              <a:pathLst>
+                <a:path w="388971" h="388971">
+                  <a:moveTo>
+                    <a:pt x="0" y="194486"/>
+                  </a:moveTo>
+                  <a:cubicBezTo>
+                    <a:pt x="0" y="87074"/>
+                    <a:pt x="87074" y="0"/>
+                    <a:pt x="194486" y="0"/>
+                  </a:cubicBezTo>
+                  <a:cubicBezTo>
+                    <a:pt x="301898" y="0"/>
+                    <a:pt x="388972" y="87074"/>
+                    <a:pt x="388972" y="194486"/>
+                  </a:cubicBezTo>
+                  <a:cubicBezTo>
+                    <a:pt x="388972" y="301898"/>
+                    <a:pt x="301898" y="388972"/>
+                    <a:pt x="194486" y="388972"/>
+                  </a:cubicBezTo>
+                  <a:cubicBezTo>
+                    <a:pt x="87074" y="388972"/>
+                    <a:pt x="0" y="301898"/>
+                    <a:pt x="0" y="194486"/>
+                  </a:cubicBezTo>
+                  <a:close/>
+                </a:path>
+              </a:pathLst>
+            </a:custGeom>
+            <a:noFill/>
+            <a:ln>
+              <a:noFill/>
+            </a:ln>
+          </p:spPr>
+          <p:style>
+            <a:lnRef idx="2">
+              <a:schemeClr val="lt2">
+                <a:hueOff val="0"/>
+                <a:satOff val="0"/>
+                <a:lumOff val="0"/>
+                <a:alphaOff val="0"/>
+              </a:schemeClr>
+            </a:lnRef>
+            <a:fillRef idx="1">
+              <a:schemeClr val="dk2">
+                <a:hueOff val="0"/>
+                <a:satOff val="0"/>
+                <a:lumOff val="0"/>
+                <a:alphaOff val="0"/>
+              </a:schemeClr>
+            </a:fillRef>
+            <a:effectRef idx="0">
+              <a:schemeClr val="dk2">
+                <a:hueOff val="0"/>
+                <a:satOff val="0"/>
+                <a:lumOff val="0"/>
+                <a:alphaOff val="0"/>
+              </a:schemeClr>
+            </a:effectRef>
+            <a:fontRef idx="minor">
+              <a:schemeClr val="lt1"/>
+            </a:fontRef>
+          </p:style>
+          <p:txBody>
+            <a:bodyPr spcFirstLastPara="0" vert="horz" wrap="square" lIns="66488" tIns="66488" rIns="66488" bIns="66488" numCol="1" spcCol="1270" anchor="ctr" anchorCtr="0">
+              <a:noAutofit/>
+            </a:bodyPr>
+            <a:lstStyle/>
+            <a:p>
+              <a:pPr marL="0" lvl="0" indent="0" algn="ctr" defTabSz="666750">
+                <a:lnSpc>
+                  <a:spcPct val="90000"/>
+                </a:lnSpc>
+                <a:spcBef>
+                  <a:spcPct val="0"/>
+                </a:spcBef>
+                <a:spcAft>
+                  <a:spcPct val="35000"/>
+                </a:spcAft>
+                <a:buNone/>
+              </a:pPr>
+              <a:r>
+                <a:rPr lang="en-US" altLang="zh-CN" sz="4400" kern="1200" dirty="0">
+                  <a:solidFill>
+                    <a:schemeClr val="accent1"/>
+                  </a:solidFill>
+                  <a:latin typeface="Bodoni MT Black" panose="02070A03080606020203" pitchFamily="18" charset="0"/>
+                </a:rPr>
+                <a:t>3</a:t>
+              </a:r>
+              <a:endParaRPr lang="zh-CN" altLang="en-US" sz="4400" kern="1200" dirty="0">
+                <a:solidFill>
+                  <a:schemeClr val="accent1"/>
+                </a:solidFill>
+                <a:latin typeface="Bodoni MT Black" panose="02070A03080606020203" pitchFamily="18" charset="0"/>
+              </a:endParaRPr>
+            </a:p>
+          </p:txBody>
+        </p:sp>
+        <p:sp>
+          <p:nvSpPr>
+            <p:cNvPr id="12" name="任意多边形: 形状 11">
+              <a:extLst>
+                <a:ext uri="{FF2B5EF4-FFF2-40B4-BE49-F238E27FC236}">
+                  <a16:creationId xmlns:a16="http://schemas.microsoft.com/office/drawing/2014/main" id="{4624A38C-3FF7-413D-B259-0212E7867003}"/>
+                </a:ext>
+              </a:extLst>
+            </p:cNvPr>
+            <p:cNvSpPr/>
+            <p:nvPr/>
+          </p:nvSpPr>
+          <p:spPr>
+            <a:xfrm>
+              <a:off x="6720394" y="3355492"/>
+              <a:ext cx="388971" cy="388971"/>
+            </a:xfrm>
+            <a:custGeom>
+              <a:avLst/>
+              <a:gdLst>
+                <a:gd name="connsiteX0" fmla="*/ 0 w 388971"/>
+                <a:gd name="connsiteY0" fmla="*/ 194486 h 388971"/>
+                <a:gd name="connsiteX1" fmla="*/ 194486 w 388971"/>
+                <a:gd name="connsiteY1" fmla="*/ 0 h 388971"/>
+                <a:gd name="connsiteX2" fmla="*/ 388972 w 388971"/>
+                <a:gd name="connsiteY2" fmla="*/ 194486 h 388971"/>
+                <a:gd name="connsiteX3" fmla="*/ 194486 w 388971"/>
+                <a:gd name="connsiteY3" fmla="*/ 388972 h 388971"/>
+                <a:gd name="connsiteX4" fmla="*/ 0 w 388971"/>
+                <a:gd name="connsiteY4" fmla="*/ 194486 h 388971"/>
+              </a:gdLst>
+              <a:ahLst/>
+              <a:cxnLst>
+                <a:cxn ang="0">
+                  <a:pos x="connsiteX0" y="connsiteY0"/>
+                </a:cxn>
+                <a:cxn ang="0">
+                  <a:pos x="connsiteX1" y="connsiteY1"/>
+                </a:cxn>
+                <a:cxn ang="0">
+                  <a:pos x="connsiteX2" y="connsiteY2"/>
+                </a:cxn>
+                <a:cxn ang="0">
+                  <a:pos x="connsiteX3" y="connsiteY3"/>
+                </a:cxn>
+                <a:cxn ang="0">
+                  <a:pos x="connsiteX4" y="connsiteY4"/>
+                </a:cxn>
+              </a:cxnLst>
+              <a:rect l="l" t="t" r="r" b="b"/>
+              <a:pathLst>
+                <a:path w="388971" h="388971">
+                  <a:moveTo>
+                    <a:pt x="0" y="194486"/>
+                  </a:moveTo>
+                  <a:cubicBezTo>
+                    <a:pt x="0" y="87074"/>
+                    <a:pt x="87074" y="0"/>
+                    <a:pt x="194486" y="0"/>
+                  </a:cubicBezTo>
+                  <a:cubicBezTo>
+                    <a:pt x="301898" y="0"/>
+                    <a:pt x="388972" y="87074"/>
+                    <a:pt x="388972" y="194486"/>
+                  </a:cubicBezTo>
+                  <a:cubicBezTo>
+                    <a:pt x="388972" y="301898"/>
+                    <a:pt x="301898" y="388972"/>
+                    <a:pt x="194486" y="388972"/>
+                  </a:cubicBezTo>
+                  <a:cubicBezTo>
+                    <a:pt x="87074" y="388972"/>
+                    <a:pt x="0" y="301898"/>
+                    <a:pt x="0" y="194486"/>
+                  </a:cubicBezTo>
+                  <a:close/>
+                </a:path>
+              </a:pathLst>
+            </a:custGeom>
+            <a:noFill/>
+            <a:ln>
+              <a:noFill/>
+            </a:ln>
+          </p:spPr>
+          <p:style>
+            <a:lnRef idx="2">
+              <a:schemeClr val="lt2">
+                <a:hueOff val="0"/>
+                <a:satOff val="0"/>
+                <a:lumOff val="0"/>
+                <a:alphaOff val="0"/>
+              </a:schemeClr>
+            </a:lnRef>
+            <a:fillRef idx="1">
+              <a:schemeClr val="dk2">
+                <a:hueOff val="0"/>
+                <a:satOff val="0"/>
+                <a:lumOff val="0"/>
+                <a:alphaOff val="0"/>
+              </a:schemeClr>
+            </a:fillRef>
+            <a:effectRef idx="0">
+              <a:schemeClr val="dk2">
+                <a:hueOff val="0"/>
+                <a:satOff val="0"/>
+                <a:lumOff val="0"/>
+                <a:alphaOff val="0"/>
+              </a:schemeClr>
+            </a:effectRef>
+            <a:fontRef idx="minor">
+              <a:schemeClr val="lt1"/>
+            </a:fontRef>
+          </p:style>
+          <p:txBody>
+            <a:bodyPr spcFirstLastPara="0" vert="horz" wrap="square" lIns="66488" tIns="66488" rIns="66488" bIns="66488" numCol="1" spcCol="1270" anchor="ctr" anchorCtr="0">
+              <a:noAutofit/>
+            </a:bodyPr>
+            <a:lstStyle/>
+            <a:p>
+              <a:pPr marL="0" lvl="0" indent="0" algn="ctr" defTabSz="666750">
+                <a:lnSpc>
+                  <a:spcPct val="90000"/>
+                </a:lnSpc>
+                <a:spcBef>
+                  <a:spcPct val="0"/>
+                </a:spcBef>
+                <a:spcAft>
+                  <a:spcPct val="35000"/>
+                </a:spcAft>
+                <a:buNone/>
+              </a:pPr>
+              <a:r>
+                <a:rPr lang="en-US" altLang="zh-CN" sz="4400" kern="1200" dirty="0">
+                  <a:solidFill>
+                    <a:schemeClr val="accent1"/>
+                  </a:solidFill>
+                  <a:latin typeface="Bodoni MT Black" panose="02070A03080606020203" pitchFamily="18" charset="0"/>
+                </a:rPr>
+                <a:t>4</a:t>
+              </a:r>
+              <a:endParaRPr lang="zh-CN" altLang="en-US" sz="4400" kern="1200" dirty="0">
+                <a:solidFill>
+                  <a:schemeClr val="accent1"/>
+                </a:solidFill>
+                <a:latin typeface="Bodoni MT Black" panose="02070A03080606020203" pitchFamily="18" charset="0"/>
+              </a:endParaRPr>
+            </a:p>
+          </p:txBody>
+        </p:sp>
+        <p:sp>
+          <p:nvSpPr>
+            <p:cNvPr id="13" name="任意多边形: 形状 12">
+              <a:extLst>
+                <a:ext uri="{FF2B5EF4-FFF2-40B4-BE49-F238E27FC236}">
+                  <a16:creationId xmlns:a16="http://schemas.microsoft.com/office/drawing/2014/main" id="{FA3FB571-70A2-4A36-91B9-9EB4D50DD2E9}"/>
+                </a:ext>
+              </a:extLst>
+            </p:cNvPr>
+            <p:cNvSpPr/>
+            <p:nvPr/>
+          </p:nvSpPr>
+          <p:spPr>
+            <a:xfrm>
+              <a:off x="6362217" y="3713669"/>
+              <a:ext cx="388971" cy="388971"/>
+            </a:xfrm>
+            <a:custGeom>
+              <a:avLst/>
+              <a:gdLst>
+                <a:gd name="connsiteX0" fmla="*/ 0 w 388971"/>
+                <a:gd name="connsiteY0" fmla="*/ 194486 h 388971"/>
+                <a:gd name="connsiteX1" fmla="*/ 194486 w 388971"/>
+                <a:gd name="connsiteY1" fmla="*/ 0 h 388971"/>
+                <a:gd name="connsiteX2" fmla="*/ 388972 w 388971"/>
+                <a:gd name="connsiteY2" fmla="*/ 194486 h 388971"/>
+                <a:gd name="connsiteX3" fmla="*/ 194486 w 388971"/>
+                <a:gd name="connsiteY3" fmla="*/ 388972 h 388971"/>
+                <a:gd name="connsiteX4" fmla="*/ 0 w 388971"/>
+                <a:gd name="connsiteY4" fmla="*/ 194486 h 388971"/>
+              </a:gdLst>
+              <a:ahLst/>
+              <a:cxnLst>
+                <a:cxn ang="0">
+                  <a:pos x="connsiteX0" y="connsiteY0"/>
+                </a:cxn>
+                <a:cxn ang="0">
+                  <a:pos x="connsiteX1" y="connsiteY1"/>
+                </a:cxn>
+                <a:cxn ang="0">
+                  <a:pos x="connsiteX2" y="connsiteY2"/>
+                </a:cxn>
+                <a:cxn ang="0">
+                  <a:pos x="connsiteX3" y="connsiteY3"/>
+                </a:cxn>
+                <a:cxn ang="0">
+                  <a:pos x="connsiteX4" y="connsiteY4"/>
+                </a:cxn>
+              </a:cxnLst>
+              <a:rect l="l" t="t" r="r" b="b"/>
+              <a:pathLst>
+                <a:path w="388971" h="388971">
+                  <a:moveTo>
+                    <a:pt x="0" y="194486"/>
+                  </a:moveTo>
+                  <a:cubicBezTo>
+                    <a:pt x="0" y="87074"/>
+                    <a:pt x="87074" y="0"/>
+                    <a:pt x="194486" y="0"/>
+                  </a:cubicBezTo>
+                  <a:cubicBezTo>
+                    <a:pt x="301898" y="0"/>
+                    <a:pt x="388972" y="87074"/>
+                    <a:pt x="388972" y="194486"/>
+                  </a:cubicBezTo>
+                  <a:cubicBezTo>
+                    <a:pt x="388972" y="301898"/>
+                    <a:pt x="301898" y="388972"/>
+                    <a:pt x="194486" y="388972"/>
+                  </a:cubicBezTo>
+                  <a:cubicBezTo>
+                    <a:pt x="87074" y="388972"/>
+                    <a:pt x="0" y="301898"/>
+                    <a:pt x="0" y="194486"/>
+                  </a:cubicBezTo>
+                  <a:close/>
+                </a:path>
+              </a:pathLst>
+            </a:custGeom>
+            <a:noFill/>
+            <a:ln>
+              <a:noFill/>
+            </a:ln>
+          </p:spPr>
+          <p:style>
+            <a:lnRef idx="2">
+              <a:schemeClr val="lt2">
+                <a:hueOff val="0"/>
+                <a:satOff val="0"/>
+                <a:lumOff val="0"/>
+                <a:alphaOff val="0"/>
+              </a:schemeClr>
+            </a:lnRef>
+            <a:fillRef idx="1">
+              <a:schemeClr val="dk2">
+                <a:hueOff val="0"/>
+                <a:satOff val="0"/>
+                <a:lumOff val="0"/>
+                <a:alphaOff val="0"/>
+              </a:schemeClr>
+            </a:fillRef>
+            <a:effectRef idx="0">
+              <a:schemeClr val="dk2">
+                <a:hueOff val="0"/>
+                <a:satOff val="0"/>
+                <a:lumOff val="0"/>
+                <a:alphaOff val="0"/>
+              </a:schemeClr>
+            </a:effectRef>
+            <a:fontRef idx="minor">
+              <a:schemeClr val="lt1"/>
+            </a:fontRef>
+          </p:style>
+          <p:txBody>
+            <a:bodyPr spcFirstLastPara="0" vert="horz" wrap="square" lIns="66488" tIns="66488" rIns="66488" bIns="66488" numCol="1" spcCol="1270" anchor="ctr" anchorCtr="0">
+              <a:noAutofit/>
+            </a:bodyPr>
+            <a:lstStyle/>
+            <a:p>
+              <a:pPr marL="0" lvl="0" indent="0" algn="ctr" defTabSz="666750">
+                <a:lnSpc>
+                  <a:spcPct val="90000"/>
+                </a:lnSpc>
+                <a:spcBef>
+                  <a:spcPct val="0"/>
+                </a:spcBef>
+                <a:spcAft>
+                  <a:spcPct val="35000"/>
+                </a:spcAft>
+                <a:buNone/>
+              </a:pPr>
+              <a:r>
+                <a:rPr lang="en-US" altLang="zh-CN" sz="4400" kern="1200" dirty="0">
+                  <a:solidFill>
+                    <a:schemeClr val="accent1"/>
+                  </a:solidFill>
+                  <a:latin typeface="Bodoni MT Black" panose="02070A03080606020203" pitchFamily="18" charset="0"/>
+                </a:rPr>
+                <a:t>5</a:t>
+              </a:r>
+              <a:endParaRPr lang="zh-CN" altLang="en-US" sz="4400" kern="1200" dirty="0">
+                <a:solidFill>
+                  <a:schemeClr val="accent1"/>
+                </a:solidFill>
+                <a:latin typeface="Bodoni MT Black" panose="02070A03080606020203" pitchFamily="18" charset="0"/>
+              </a:endParaRPr>
+            </a:p>
+          </p:txBody>
+        </p:sp>
+        <p:sp>
+          <p:nvSpPr>
+            <p:cNvPr id="14" name="任意多边形: 形状 13">
+              <a:extLst>
+                <a:ext uri="{FF2B5EF4-FFF2-40B4-BE49-F238E27FC236}">
+                  <a16:creationId xmlns:a16="http://schemas.microsoft.com/office/drawing/2014/main" id="{3F9FFE7A-808F-42A3-A132-6B2BEDD455E4}"/>
+                </a:ext>
+              </a:extLst>
+            </p:cNvPr>
+            <p:cNvSpPr/>
+            <p:nvPr/>
+          </p:nvSpPr>
+          <p:spPr>
+            <a:xfrm>
+              <a:off x="5872939" y="3844770"/>
+              <a:ext cx="388971" cy="388971"/>
+            </a:xfrm>
+            <a:custGeom>
+              <a:avLst/>
+              <a:gdLst>
+                <a:gd name="connsiteX0" fmla="*/ 0 w 388971"/>
+                <a:gd name="connsiteY0" fmla="*/ 194486 h 388971"/>
+                <a:gd name="connsiteX1" fmla="*/ 194486 w 388971"/>
+                <a:gd name="connsiteY1" fmla="*/ 0 h 388971"/>
+                <a:gd name="connsiteX2" fmla="*/ 388972 w 388971"/>
+                <a:gd name="connsiteY2" fmla="*/ 194486 h 388971"/>
+                <a:gd name="connsiteX3" fmla="*/ 194486 w 388971"/>
+                <a:gd name="connsiteY3" fmla="*/ 388972 h 388971"/>
+                <a:gd name="connsiteX4" fmla="*/ 0 w 388971"/>
+                <a:gd name="connsiteY4" fmla="*/ 194486 h 388971"/>
+              </a:gdLst>
+              <a:ahLst/>
+              <a:cxnLst>
+                <a:cxn ang="0">
+                  <a:pos x="connsiteX0" y="connsiteY0"/>
+                </a:cxn>
+                <a:cxn ang="0">
+                  <a:pos x="connsiteX1" y="connsiteY1"/>
+                </a:cxn>
+                <a:cxn ang="0">
+                  <a:pos x="connsiteX2" y="connsiteY2"/>
+                </a:cxn>
+                <a:cxn ang="0">
+                  <a:pos x="connsiteX3" y="connsiteY3"/>
+                </a:cxn>
+                <a:cxn ang="0">
+                  <a:pos x="connsiteX4" y="connsiteY4"/>
+                </a:cxn>
+              </a:cxnLst>
+              <a:rect l="l" t="t" r="r" b="b"/>
+              <a:pathLst>
+                <a:path w="388971" h="388971">
+                  <a:moveTo>
+                    <a:pt x="0" y="194486"/>
+                  </a:moveTo>
+                  <a:cubicBezTo>
+                    <a:pt x="0" y="87074"/>
+                    <a:pt x="87074" y="0"/>
+                    <a:pt x="194486" y="0"/>
+                  </a:cubicBezTo>
+                  <a:cubicBezTo>
+                    <a:pt x="301898" y="0"/>
+                    <a:pt x="388972" y="87074"/>
+                    <a:pt x="388972" y="194486"/>
+                  </a:cubicBezTo>
+                  <a:cubicBezTo>
+                    <a:pt x="388972" y="301898"/>
+                    <a:pt x="301898" y="388972"/>
+                    <a:pt x="194486" y="388972"/>
+                  </a:cubicBezTo>
+                  <a:cubicBezTo>
+                    <a:pt x="87074" y="388972"/>
+                    <a:pt x="0" y="301898"/>
+                    <a:pt x="0" y="194486"/>
+                  </a:cubicBezTo>
+                  <a:close/>
+                </a:path>
+              </a:pathLst>
+            </a:custGeom>
+            <a:noFill/>
+            <a:ln>
+              <a:noFill/>
+            </a:ln>
+          </p:spPr>
+          <p:style>
+            <a:lnRef idx="2">
+              <a:schemeClr val="lt2">
+                <a:hueOff val="0"/>
+                <a:satOff val="0"/>
+                <a:lumOff val="0"/>
+                <a:alphaOff val="0"/>
+              </a:schemeClr>
+            </a:lnRef>
+            <a:fillRef idx="1">
+              <a:schemeClr val="dk2">
+                <a:hueOff val="0"/>
+                <a:satOff val="0"/>
+                <a:lumOff val="0"/>
+                <a:alphaOff val="0"/>
+              </a:schemeClr>
+            </a:fillRef>
+            <a:effectRef idx="0">
+              <a:schemeClr val="dk2">
+                <a:hueOff val="0"/>
+                <a:satOff val="0"/>
+                <a:lumOff val="0"/>
+                <a:alphaOff val="0"/>
+              </a:schemeClr>
+            </a:effectRef>
+            <a:fontRef idx="minor">
+              <a:schemeClr val="lt1"/>
+            </a:fontRef>
+          </p:style>
+          <p:txBody>
+            <a:bodyPr spcFirstLastPara="0" vert="horz" wrap="square" lIns="66488" tIns="66488" rIns="66488" bIns="66488" numCol="1" spcCol="1270" anchor="ctr" anchorCtr="0">
+              <a:noAutofit/>
+            </a:bodyPr>
+            <a:lstStyle/>
+            <a:p>
+              <a:pPr marL="0" lvl="0" indent="0" algn="ctr" defTabSz="666750">
+                <a:lnSpc>
+                  <a:spcPct val="90000"/>
+                </a:lnSpc>
+                <a:spcBef>
+                  <a:spcPct val="0"/>
+                </a:spcBef>
+                <a:spcAft>
+                  <a:spcPct val="35000"/>
+                </a:spcAft>
+                <a:buNone/>
+              </a:pPr>
+              <a:r>
+                <a:rPr lang="en-US" altLang="zh-CN" sz="4400" kern="1200" dirty="0">
+                  <a:solidFill>
+                    <a:schemeClr val="accent1"/>
+                  </a:solidFill>
+                  <a:latin typeface="Bodoni MT Black" panose="02070A03080606020203" pitchFamily="18" charset="0"/>
+                </a:rPr>
+                <a:t>6</a:t>
+              </a:r>
+              <a:endParaRPr lang="zh-CN" altLang="en-US" sz="4400" kern="1200" dirty="0">
+                <a:solidFill>
+                  <a:schemeClr val="accent1"/>
+                </a:solidFill>
+                <a:latin typeface="Bodoni MT Black" panose="02070A03080606020203" pitchFamily="18" charset="0"/>
+              </a:endParaRPr>
+            </a:p>
+          </p:txBody>
+        </p:sp>
+        <p:sp>
+          <p:nvSpPr>
+            <p:cNvPr id="15" name="任意多边形: 形状 14">
+              <a:extLst>
+                <a:ext uri="{FF2B5EF4-FFF2-40B4-BE49-F238E27FC236}">
+                  <a16:creationId xmlns:a16="http://schemas.microsoft.com/office/drawing/2014/main" id="{32D4C571-FDE5-43A6-8BCA-D60EAD4D7E48}"/>
+                </a:ext>
+              </a:extLst>
+            </p:cNvPr>
+            <p:cNvSpPr/>
+            <p:nvPr/>
+          </p:nvSpPr>
+          <p:spPr>
+            <a:xfrm>
+              <a:off x="5383660" y="3713669"/>
+              <a:ext cx="388971" cy="388971"/>
+            </a:xfrm>
+            <a:custGeom>
+              <a:avLst/>
+              <a:gdLst>
+                <a:gd name="connsiteX0" fmla="*/ 0 w 388971"/>
+                <a:gd name="connsiteY0" fmla="*/ 194486 h 388971"/>
+                <a:gd name="connsiteX1" fmla="*/ 194486 w 388971"/>
+                <a:gd name="connsiteY1" fmla="*/ 0 h 388971"/>
+                <a:gd name="connsiteX2" fmla="*/ 388972 w 388971"/>
+                <a:gd name="connsiteY2" fmla="*/ 194486 h 388971"/>
+                <a:gd name="connsiteX3" fmla="*/ 194486 w 388971"/>
+                <a:gd name="connsiteY3" fmla="*/ 388972 h 388971"/>
+                <a:gd name="connsiteX4" fmla="*/ 0 w 388971"/>
+                <a:gd name="connsiteY4" fmla="*/ 194486 h 388971"/>
+              </a:gdLst>
+              <a:ahLst/>
+              <a:cxnLst>
+                <a:cxn ang="0">
+                  <a:pos x="connsiteX0" y="connsiteY0"/>
+                </a:cxn>
+                <a:cxn ang="0">
+                  <a:pos x="connsiteX1" y="connsiteY1"/>
+                </a:cxn>
+                <a:cxn ang="0">
+                  <a:pos x="connsiteX2" y="connsiteY2"/>
+                </a:cxn>
+                <a:cxn ang="0">
+                  <a:pos x="connsiteX3" y="connsiteY3"/>
+                </a:cxn>
+                <a:cxn ang="0">
+                  <a:pos x="connsiteX4" y="connsiteY4"/>
+                </a:cxn>
+              </a:cxnLst>
+              <a:rect l="l" t="t" r="r" b="b"/>
+              <a:pathLst>
+                <a:path w="388971" h="388971">
+                  <a:moveTo>
+                    <a:pt x="0" y="194486"/>
+                  </a:moveTo>
+                  <a:cubicBezTo>
+                    <a:pt x="0" y="87074"/>
+                    <a:pt x="87074" y="0"/>
+                    <a:pt x="194486" y="0"/>
+                  </a:cubicBezTo>
+                  <a:cubicBezTo>
+                    <a:pt x="301898" y="0"/>
+                    <a:pt x="388972" y="87074"/>
+                    <a:pt x="388972" y="194486"/>
+                  </a:cubicBezTo>
+                  <a:cubicBezTo>
+                    <a:pt x="388972" y="301898"/>
+                    <a:pt x="301898" y="388972"/>
+                    <a:pt x="194486" y="388972"/>
+                  </a:cubicBezTo>
+                  <a:cubicBezTo>
+                    <a:pt x="87074" y="388972"/>
+                    <a:pt x="0" y="301898"/>
+                    <a:pt x="0" y="194486"/>
+                  </a:cubicBezTo>
+                  <a:close/>
+                </a:path>
+              </a:pathLst>
+            </a:custGeom>
+            <a:noFill/>
+            <a:ln>
+              <a:noFill/>
+            </a:ln>
+          </p:spPr>
+          <p:style>
+            <a:lnRef idx="2">
+              <a:schemeClr val="lt2">
+                <a:hueOff val="0"/>
+                <a:satOff val="0"/>
+                <a:lumOff val="0"/>
+                <a:alphaOff val="0"/>
+              </a:schemeClr>
+            </a:lnRef>
+            <a:fillRef idx="1">
+              <a:schemeClr val="dk2">
+                <a:hueOff val="0"/>
+                <a:satOff val="0"/>
+                <a:lumOff val="0"/>
+                <a:alphaOff val="0"/>
+              </a:schemeClr>
+            </a:fillRef>
+            <a:effectRef idx="0">
+              <a:schemeClr val="dk2">
+                <a:hueOff val="0"/>
+                <a:satOff val="0"/>
+                <a:lumOff val="0"/>
+                <a:alphaOff val="0"/>
+              </a:schemeClr>
+            </a:effectRef>
+            <a:fontRef idx="minor">
+              <a:schemeClr val="lt1"/>
+            </a:fontRef>
+          </p:style>
+          <p:txBody>
+            <a:bodyPr spcFirstLastPara="0" vert="horz" wrap="square" lIns="66488" tIns="66488" rIns="66488" bIns="66488" numCol="1" spcCol="1270" anchor="ctr" anchorCtr="0">
+              <a:noAutofit/>
+            </a:bodyPr>
+            <a:lstStyle/>
+            <a:p>
+              <a:pPr marL="0" lvl="0" indent="0" algn="ctr" defTabSz="666750">
+                <a:lnSpc>
+                  <a:spcPct val="90000"/>
+                </a:lnSpc>
+                <a:spcBef>
+                  <a:spcPct val="0"/>
+                </a:spcBef>
+                <a:spcAft>
+                  <a:spcPct val="35000"/>
+                </a:spcAft>
+                <a:buNone/>
+              </a:pPr>
+              <a:r>
+                <a:rPr lang="en-US" altLang="zh-CN" sz="4400" kern="1200" dirty="0">
+                  <a:solidFill>
+                    <a:schemeClr val="accent1"/>
+                  </a:solidFill>
+                  <a:latin typeface="Bodoni MT Black" panose="02070A03080606020203" pitchFamily="18" charset="0"/>
+                </a:rPr>
+                <a:t>7</a:t>
+              </a:r>
+              <a:endParaRPr lang="zh-CN" altLang="en-US" sz="4400" kern="1200" dirty="0">
+                <a:solidFill>
+                  <a:schemeClr val="accent1"/>
+                </a:solidFill>
+                <a:latin typeface="Bodoni MT Black" panose="02070A03080606020203" pitchFamily="18" charset="0"/>
+              </a:endParaRPr>
+            </a:p>
+          </p:txBody>
+        </p:sp>
+        <p:sp>
+          <p:nvSpPr>
+            <p:cNvPr id="16" name="任意多边形: 形状 15">
+              <a:extLst>
+                <a:ext uri="{FF2B5EF4-FFF2-40B4-BE49-F238E27FC236}">
+                  <a16:creationId xmlns:a16="http://schemas.microsoft.com/office/drawing/2014/main" id="{6B80F01C-F0D6-489D-8564-B2CC7C758EED}"/>
+                </a:ext>
+              </a:extLst>
+            </p:cNvPr>
+            <p:cNvSpPr/>
+            <p:nvPr/>
+          </p:nvSpPr>
+          <p:spPr>
+            <a:xfrm>
+              <a:off x="5025484" y="3355492"/>
+              <a:ext cx="388971" cy="388971"/>
+            </a:xfrm>
+            <a:custGeom>
+              <a:avLst/>
+              <a:gdLst>
+                <a:gd name="connsiteX0" fmla="*/ 0 w 388971"/>
+                <a:gd name="connsiteY0" fmla="*/ 194486 h 388971"/>
+                <a:gd name="connsiteX1" fmla="*/ 194486 w 388971"/>
+                <a:gd name="connsiteY1" fmla="*/ 0 h 388971"/>
+                <a:gd name="connsiteX2" fmla="*/ 388972 w 388971"/>
+                <a:gd name="connsiteY2" fmla="*/ 194486 h 388971"/>
+                <a:gd name="connsiteX3" fmla="*/ 194486 w 388971"/>
+                <a:gd name="connsiteY3" fmla="*/ 388972 h 388971"/>
+                <a:gd name="connsiteX4" fmla="*/ 0 w 388971"/>
+                <a:gd name="connsiteY4" fmla="*/ 194486 h 388971"/>
+              </a:gdLst>
+              <a:ahLst/>
+              <a:cxnLst>
+                <a:cxn ang="0">
+                  <a:pos x="connsiteX0" y="connsiteY0"/>
+                </a:cxn>
+                <a:cxn ang="0">
+                  <a:pos x="connsiteX1" y="connsiteY1"/>
+                </a:cxn>
+                <a:cxn ang="0">
+                  <a:pos x="connsiteX2" y="connsiteY2"/>
+                </a:cxn>
+                <a:cxn ang="0">
+                  <a:pos x="connsiteX3" y="connsiteY3"/>
+                </a:cxn>
+                <a:cxn ang="0">
+                  <a:pos x="connsiteX4" y="connsiteY4"/>
+                </a:cxn>
+              </a:cxnLst>
+              <a:rect l="l" t="t" r="r" b="b"/>
+              <a:pathLst>
+                <a:path w="388971" h="388971">
+                  <a:moveTo>
+                    <a:pt x="0" y="194486"/>
+                  </a:moveTo>
+                  <a:cubicBezTo>
+                    <a:pt x="0" y="87074"/>
+                    <a:pt x="87074" y="0"/>
+                    <a:pt x="194486" y="0"/>
+                  </a:cubicBezTo>
+                  <a:cubicBezTo>
+                    <a:pt x="301898" y="0"/>
+                    <a:pt x="388972" y="87074"/>
+                    <a:pt x="388972" y="194486"/>
+                  </a:cubicBezTo>
+                  <a:cubicBezTo>
+                    <a:pt x="388972" y="301898"/>
+                    <a:pt x="301898" y="388972"/>
+                    <a:pt x="194486" y="388972"/>
+                  </a:cubicBezTo>
+                  <a:cubicBezTo>
+                    <a:pt x="87074" y="388972"/>
+                    <a:pt x="0" y="301898"/>
+                    <a:pt x="0" y="194486"/>
+                  </a:cubicBezTo>
+                  <a:close/>
+                </a:path>
+              </a:pathLst>
+            </a:custGeom>
+            <a:noFill/>
+            <a:ln>
+              <a:noFill/>
+            </a:ln>
+          </p:spPr>
+          <p:style>
+            <a:lnRef idx="2">
+              <a:schemeClr val="lt2">
+                <a:hueOff val="0"/>
+                <a:satOff val="0"/>
+                <a:lumOff val="0"/>
+                <a:alphaOff val="0"/>
+              </a:schemeClr>
+            </a:lnRef>
+            <a:fillRef idx="1">
+              <a:schemeClr val="dk2">
+                <a:hueOff val="0"/>
+                <a:satOff val="0"/>
+                <a:lumOff val="0"/>
+                <a:alphaOff val="0"/>
+              </a:schemeClr>
+            </a:fillRef>
+            <a:effectRef idx="0">
+              <a:schemeClr val="dk2">
+                <a:hueOff val="0"/>
+                <a:satOff val="0"/>
+                <a:lumOff val="0"/>
+                <a:alphaOff val="0"/>
+              </a:schemeClr>
+            </a:effectRef>
+            <a:fontRef idx="minor">
+              <a:schemeClr val="lt1"/>
+            </a:fontRef>
+          </p:style>
+          <p:txBody>
+            <a:bodyPr spcFirstLastPara="0" vert="horz" wrap="square" lIns="66488" tIns="66488" rIns="66488" bIns="66488" numCol="1" spcCol="1270" anchor="ctr" anchorCtr="0">
+              <a:noAutofit/>
+            </a:bodyPr>
+            <a:lstStyle/>
+            <a:p>
+              <a:pPr marL="0" lvl="0" indent="0" algn="ctr" defTabSz="666750">
+                <a:lnSpc>
+                  <a:spcPct val="90000"/>
+                </a:lnSpc>
+                <a:spcBef>
+                  <a:spcPct val="0"/>
+                </a:spcBef>
+                <a:spcAft>
+                  <a:spcPct val="35000"/>
+                </a:spcAft>
+                <a:buNone/>
+              </a:pPr>
+              <a:r>
+                <a:rPr lang="en-US" altLang="zh-CN" sz="4400" kern="1200" dirty="0">
+                  <a:solidFill>
+                    <a:schemeClr val="accent1"/>
+                  </a:solidFill>
+                  <a:latin typeface="Bodoni MT Black" panose="02070A03080606020203" pitchFamily="18" charset="0"/>
+                </a:rPr>
+                <a:t>8</a:t>
+              </a:r>
+              <a:endParaRPr lang="zh-CN" altLang="en-US" sz="4400" kern="1200" dirty="0">
+                <a:solidFill>
+                  <a:schemeClr val="accent1"/>
+                </a:solidFill>
+                <a:latin typeface="Bodoni MT Black" panose="02070A03080606020203" pitchFamily="18" charset="0"/>
+              </a:endParaRPr>
+            </a:p>
+          </p:txBody>
+        </p:sp>
+        <p:sp>
+          <p:nvSpPr>
+            <p:cNvPr id="17" name="任意多边形: 形状 16">
+              <a:extLst>
+                <a:ext uri="{FF2B5EF4-FFF2-40B4-BE49-F238E27FC236}">
+                  <a16:creationId xmlns:a16="http://schemas.microsoft.com/office/drawing/2014/main" id="{F930A843-EE41-444C-A2B4-13EB40EE0B9A}"/>
+                </a:ext>
+              </a:extLst>
+            </p:cNvPr>
+            <p:cNvSpPr/>
+            <p:nvPr/>
+          </p:nvSpPr>
+          <p:spPr>
+            <a:xfrm>
+              <a:off x="4894382" y="2866214"/>
+              <a:ext cx="388971" cy="388971"/>
+            </a:xfrm>
+            <a:custGeom>
+              <a:avLst/>
+              <a:gdLst>
+                <a:gd name="connsiteX0" fmla="*/ 0 w 388971"/>
+                <a:gd name="connsiteY0" fmla="*/ 194486 h 388971"/>
+                <a:gd name="connsiteX1" fmla="*/ 194486 w 388971"/>
+                <a:gd name="connsiteY1" fmla="*/ 0 h 388971"/>
+                <a:gd name="connsiteX2" fmla="*/ 388972 w 388971"/>
+                <a:gd name="connsiteY2" fmla="*/ 194486 h 388971"/>
+                <a:gd name="connsiteX3" fmla="*/ 194486 w 388971"/>
+                <a:gd name="connsiteY3" fmla="*/ 388972 h 388971"/>
+                <a:gd name="connsiteX4" fmla="*/ 0 w 388971"/>
+                <a:gd name="connsiteY4" fmla="*/ 194486 h 388971"/>
+              </a:gdLst>
+              <a:ahLst/>
+              <a:cxnLst>
+                <a:cxn ang="0">
+                  <a:pos x="connsiteX0" y="connsiteY0"/>
+                </a:cxn>
+                <a:cxn ang="0">
+                  <a:pos x="connsiteX1" y="connsiteY1"/>
+                </a:cxn>
+                <a:cxn ang="0">
+                  <a:pos x="connsiteX2" y="connsiteY2"/>
+                </a:cxn>
+                <a:cxn ang="0">
+                  <a:pos x="connsiteX3" y="connsiteY3"/>
+                </a:cxn>
+                <a:cxn ang="0">
+                  <a:pos x="connsiteX4" y="connsiteY4"/>
+                </a:cxn>
+              </a:cxnLst>
+              <a:rect l="l" t="t" r="r" b="b"/>
+              <a:pathLst>
+                <a:path w="388971" h="388971">
+                  <a:moveTo>
+                    <a:pt x="0" y="194486"/>
+                  </a:moveTo>
+                  <a:cubicBezTo>
+                    <a:pt x="0" y="87074"/>
+                    <a:pt x="87074" y="0"/>
+                    <a:pt x="194486" y="0"/>
+                  </a:cubicBezTo>
+                  <a:cubicBezTo>
+                    <a:pt x="301898" y="0"/>
+                    <a:pt x="388972" y="87074"/>
+                    <a:pt x="388972" y="194486"/>
+                  </a:cubicBezTo>
+                  <a:cubicBezTo>
+                    <a:pt x="388972" y="301898"/>
+                    <a:pt x="301898" y="388972"/>
+                    <a:pt x="194486" y="388972"/>
+                  </a:cubicBezTo>
+                  <a:cubicBezTo>
+                    <a:pt x="87074" y="388972"/>
+                    <a:pt x="0" y="301898"/>
+                    <a:pt x="0" y="194486"/>
+                  </a:cubicBezTo>
+                  <a:close/>
+                </a:path>
+              </a:pathLst>
+            </a:custGeom>
+            <a:noFill/>
+            <a:ln>
+              <a:noFill/>
+            </a:ln>
+          </p:spPr>
+          <p:style>
+            <a:lnRef idx="2">
+              <a:schemeClr val="lt2">
+                <a:hueOff val="0"/>
+                <a:satOff val="0"/>
+                <a:lumOff val="0"/>
+                <a:alphaOff val="0"/>
+              </a:schemeClr>
+            </a:lnRef>
+            <a:fillRef idx="1">
+              <a:schemeClr val="dk2">
+                <a:hueOff val="0"/>
+                <a:satOff val="0"/>
+                <a:lumOff val="0"/>
+                <a:alphaOff val="0"/>
+              </a:schemeClr>
+            </a:fillRef>
+            <a:effectRef idx="0">
+              <a:schemeClr val="dk2">
+                <a:hueOff val="0"/>
+                <a:satOff val="0"/>
+                <a:lumOff val="0"/>
+                <a:alphaOff val="0"/>
+              </a:schemeClr>
+            </a:effectRef>
+            <a:fontRef idx="minor">
+              <a:schemeClr val="lt1"/>
+            </a:fontRef>
+          </p:style>
+          <p:txBody>
+            <a:bodyPr spcFirstLastPara="0" vert="horz" wrap="square" lIns="66488" tIns="66488" rIns="66488" bIns="66488" numCol="1" spcCol="1270" anchor="ctr" anchorCtr="0">
+              <a:noAutofit/>
+            </a:bodyPr>
+            <a:lstStyle/>
+            <a:p>
+              <a:pPr marL="0" lvl="0" indent="0" algn="ctr" defTabSz="666750">
+                <a:lnSpc>
+                  <a:spcPct val="90000"/>
+                </a:lnSpc>
+                <a:spcBef>
+                  <a:spcPct val="0"/>
+                </a:spcBef>
+                <a:spcAft>
+                  <a:spcPct val="35000"/>
+                </a:spcAft>
+                <a:buNone/>
+              </a:pPr>
+              <a:r>
+                <a:rPr lang="en-US" altLang="zh-CN" sz="4400" kern="1200" dirty="0">
+                  <a:solidFill>
+                    <a:schemeClr val="accent1"/>
+                  </a:solidFill>
+                  <a:latin typeface="Bodoni MT Black" panose="02070A03080606020203" pitchFamily="18" charset="0"/>
+                </a:rPr>
+                <a:t>9</a:t>
+              </a:r>
+              <a:endParaRPr lang="zh-CN" altLang="en-US" sz="4400" kern="1200" dirty="0">
+                <a:solidFill>
+                  <a:schemeClr val="accent1"/>
+                </a:solidFill>
+                <a:latin typeface="Bodoni MT Black" panose="02070A03080606020203" pitchFamily="18" charset="0"/>
+              </a:endParaRPr>
+            </a:p>
+          </p:txBody>
+        </p:sp>
+        <p:sp>
+          <p:nvSpPr>
+            <p:cNvPr id="18" name="任意多边形: 形状 17">
+              <a:extLst>
+                <a:ext uri="{FF2B5EF4-FFF2-40B4-BE49-F238E27FC236}">
+                  <a16:creationId xmlns:a16="http://schemas.microsoft.com/office/drawing/2014/main" id="{4ADD2C9C-8EF6-424E-AEC9-8FF0B869EDBF}"/>
+                </a:ext>
+              </a:extLst>
+            </p:cNvPr>
+            <p:cNvSpPr/>
+            <p:nvPr/>
+          </p:nvSpPr>
+          <p:spPr>
+            <a:xfrm>
+              <a:off x="5025484" y="2376935"/>
+              <a:ext cx="388971" cy="388971"/>
+            </a:xfrm>
+            <a:custGeom>
+              <a:avLst/>
+              <a:gdLst>
+                <a:gd name="connsiteX0" fmla="*/ 0 w 388971"/>
+                <a:gd name="connsiteY0" fmla="*/ 194486 h 388971"/>
+                <a:gd name="connsiteX1" fmla="*/ 194486 w 388971"/>
+                <a:gd name="connsiteY1" fmla="*/ 0 h 388971"/>
+                <a:gd name="connsiteX2" fmla="*/ 388972 w 388971"/>
+                <a:gd name="connsiteY2" fmla="*/ 194486 h 388971"/>
+                <a:gd name="connsiteX3" fmla="*/ 194486 w 388971"/>
+                <a:gd name="connsiteY3" fmla="*/ 388972 h 388971"/>
+                <a:gd name="connsiteX4" fmla="*/ 0 w 388971"/>
+                <a:gd name="connsiteY4" fmla="*/ 194486 h 388971"/>
+              </a:gdLst>
+              <a:ahLst/>
+              <a:cxnLst>
+                <a:cxn ang="0">
+                  <a:pos x="connsiteX0" y="connsiteY0"/>
+                </a:cxn>
+                <a:cxn ang="0">
+                  <a:pos x="connsiteX1" y="connsiteY1"/>
+                </a:cxn>
+                <a:cxn ang="0">
+                  <a:pos x="connsiteX2" y="connsiteY2"/>
+                </a:cxn>
+                <a:cxn ang="0">
+                  <a:pos x="connsiteX3" y="connsiteY3"/>
+                </a:cxn>
+                <a:cxn ang="0">
+                  <a:pos x="connsiteX4" y="connsiteY4"/>
+                </a:cxn>
+              </a:cxnLst>
+              <a:rect l="l" t="t" r="r" b="b"/>
+              <a:pathLst>
+                <a:path w="388971" h="388971">
+                  <a:moveTo>
+                    <a:pt x="0" y="194486"/>
+                  </a:moveTo>
+                  <a:cubicBezTo>
+                    <a:pt x="0" y="87074"/>
+                    <a:pt x="87074" y="0"/>
+                    <a:pt x="194486" y="0"/>
+                  </a:cubicBezTo>
+                  <a:cubicBezTo>
+                    <a:pt x="301898" y="0"/>
+                    <a:pt x="388972" y="87074"/>
+                    <a:pt x="388972" y="194486"/>
+                  </a:cubicBezTo>
+                  <a:cubicBezTo>
+                    <a:pt x="388972" y="301898"/>
+                    <a:pt x="301898" y="388972"/>
+                    <a:pt x="194486" y="388972"/>
+                  </a:cubicBezTo>
+                  <a:cubicBezTo>
+                    <a:pt x="87074" y="388972"/>
+                    <a:pt x="0" y="301898"/>
+                    <a:pt x="0" y="194486"/>
+                  </a:cubicBezTo>
+                  <a:close/>
+                </a:path>
+              </a:pathLst>
+            </a:custGeom>
+            <a:noFill/>
+            <a:ln>
+              <a:noFill/>
+            </a:ln>
+          </p:spPr>
+          <p:style>
+            <a:lnRef idx="2">
+              <a:schemeClr val="lt2">
+                <a:hueOff val="0"/>
+                <a:satOff val="0"/>
+                <a:lumOff val="0"/>
+                <a:alphaOff val="0"/>
+              </a:schemeClr>
+            </a:lnRef>
+            <a:fillRef idx="1">
+              <a:schemeClr val="dk2">
+                <a:hueOff val="0"/>
+                <a:satOff val="0"/>
+                <a:lumOff val="0"/>
+                <a:alphaOff val="0"/>
+              </a:schemeClr>
+            </a:fillRef>
+            <a:effectRef idx="0">
+              <a:schemeClr val="dk2">
+                <a:hueOff val="0"/>
+                <a:satOff val="0"/>
+                <a:lumOff val="0"/>
+                <a:alphaOff val="0"/>
+              </a:schemeClr>
+            </a:effectRef>
+            <a:fontRef idx="minor">
+              <a:schemeClr val="lt1"/>
+            </a:fontRef>
+          </p:style>
+          <p:txBody>
+            <a:bodyPr spcFirstLastPara="0" vert="horz" wrap="square" lIns="66488" tIns="66488" rIns="66488" bIns="66488" numCol="1" spcCol="1270" anchor="ctr" anchorCtr="0">
+              <a:noAutofit/>
+            </a:bodyPr>
+            <a:lstStyle/>
+            <a:p>
+              <a:pPr marL="0" lvl="0" indent="0" algn="ctr" defTabSz="666750">
+                <a:lnSpc>
+                  <a:spcPct val="90000"/>
+                </a:lnSpc>
+                <a:spcBef>
+                  <a:spcPct val="0"/>
+                </a:spcBef>
+                <a:spcAft>
+                  <a:spcPct val="35000"/>
+                </a:spcAft>
+                <a:buNone/>
+              </a:pPr>
+              <a:r>
+                <a:rPr lang="en-US" altLang="zh-CN" sz="4400" kern="1200" dirty="0">
+                  <a:solidFill>
+                    <a:schemeClr val="accent1"/>
+                  </a:solidFill>
+                  <a:latin typeface="Bodoni MT Black" panose="02070A03080606020203" pitchFamily="18" charset="0"/>
+                </a:rPr>
+                <a:t>10</a:t>
+              </a:r>
+              <a:endParaRPr lang="zh-CN" altLang="en-US" sz="4400" kern="1200" dirty="0">
+                <a:solidFill>
+                  <a:schemeClr val="accent1"/>
+                </a:solidFill>
+                <a:latin typeface="Bodoni MT Black" panose="02070A03080606020203" pitchFamily="18" charset="0"/>
+              </a:endParaRPr>
+            </a:p>
+          </p:txBody>
+        </p:sp>
+        <p:sp>
+          <p:nvSpPr>
+            <p:cNvPr id="19" name="任意多边形: 形状 18">
+              <a:extLst>
+                <a:ext uri="{FF2B5EF4-FFF2-40B4-BE49-F238E27FC236}">
+                  <a16:creationId xmlns:a16="http://schemas.microsoft.com/office/drawing/2014/main" id="{67A2F7AB-6E71-4B10-AACE-664CC743575C}"/>
+                </a:ext>
+              </a:extLst>
+            </p:cNvPr>
+            <p:cNvSpPr/>
+            <p:nvPr/>
+          </p:nvSpPr>
+          <p:spPr>
+            <a:xfrm>
+              <a:off x="5383660" y="2018759"/>
+              <a:ext cx="388971" cy="388971"/>
+            </a:xfrm>
+            <a:custGeom>
+              <a:avLst/>
+              <a:gdLst>
+                <a:gd name="connsiteX0" fmla="*/ 0 w 388971"/>
+                <a:gd name="connsiteY0" fmla="*/ 194486 h 388971"/>
+                <a:gd name="connsiteX1" fmla="*/ 194486 w 388971"/>
+                <a:gd name="connsiteY1" fmla="*/ 0 h 388971"/>
+                <a:gd name="connsiteX2" fmla="*/ 388972 w 388971"/>
+                <a:gd name="connsiteY2" fmla="*/ 194486 h 388971"/>
+                <a:gd name="connsiteX3" fmla="*/ 194486 w 388971"/>
+                <a:gd name="connsiteY3" fmla="*/ 388972 h 388971"/>
+                <a:gd name="connsiteX4" fmla="*/ 0 w 388971"/>
+                <a:gd name="connsiteY4" fmla="*/ 194486 h 388971"/>
+              </a:gdLst>
+              <a:ahLst/>
+              <a:cxnLst>
+                <a:cxn ang="0">
+                  <a:pos x="connsiteX0" y="connsiteY0"/>
+                </a:cxn>
+                <a:cxn ang="0">
+                  <a:pos x="connsiteX1" y="connsiteY1"/>
+                </a:cxn>
+                <a:cxn ang="0">
+                  <a:pos x="connsiteX2" y="connsiteY2"/>
+                </a:cxn>
+                <a:cxn ang="0">
+                  <a:pos x="connsiteX3" y="connsiteY3"/>
+                </a:cxn>
+                <a:cxn ang="0">
+                  <a:pos x="connsiteX4" y="connsiteY4"/>
+                </a:cxn>
+              </a:cxnLst>
+              <a:rect l="l" t="t" r="r" b="b"/>
+              <a:pathLst>
+                <a:path w="388971" h="388971">
+                  <a:moveTo>
+                    <a:pt x="0" y="194486"/>
+                  </a:moveTo>
+                  <a:cubicBezTo>
+                    <a:pt x="0" y="87074"/>
+                    <a:pt x="87074" y="0"/>
+                    <a:pt x="194486" y="0"/>
+                  </a:cubicBezTo>
+                  <a:cubicBezTo>
+                    <a:pt x="301898" y="0"/>
+                    <a:pt x="388972" y="87074"/>
+                    <a:pt x="388972" y="194486"/>
+                  </a:cubicBezTo>
+                  <a:cubicBezTo>
+                    <a:pt x="388972" y="301898"/>
+                    <a:pt x="301898" y="388972"/>
+                    <a:pt x="194486" y="388972"/>
+                  </a:cubicBezTo>
+                  <a:cubicBezTo>
+                    <a:pt x="87074" y="388972"/>
+                    <a:pt x="0" y="301898"/>
+                    <a:pt x="0" y="194486"/>
+                  </a:cubicBezTo>
+                  <a:close/>
+                </a:path>
+              </a:pathLst>
+            </a:custGeom>
+            <a:noFill/>
+            <a:ln>
+              <a:noFill/>
+            </a:ln>
+          </p:spPr>
+          <p:style>
+            <a:lnRef idx="2">
+              <a:schemeClr val="lt2">
+                <a:hueOff val="0"/>
+                <a:satOff val="0"/>
+                <a:lumOff val="0"/>
+                <a:alphaOff val="0"/>
+              </a:schemeClr>
+            </a:lnRef>
+            <a:fillRef idx="1">
+              <a:schemeClr val="dk2">
+                <a:hueOff val="0"/>
+                <a:satOff val="0"/>
+                <a:lumOff val="0"/>
+                <a:alphaOff val="0"/>
+              </a:schemeClr>
+            </a:fillRef>
+            <a:effectRef idx="0">
+              <a:schemeClr val="dk2">
+                <a:hueOff val="0"/>
+                <a:satOff val="0"/>
+                <a:lumOff val="0"/>
+                <a:alphaOff val="0"/>
+              </a:schemeClr>
+            </a:effectRef>
+            <a:fontRef idx="minor">
+              <a:schemeClr val="lt1"/>
+            </a:fontRef>
+          </p:style>
+          <p:txBody>
+            <a:bodyPr spcFirstLastPara="0" vert="horz" wrap="square" lIns="66488" tIns="66488" rIns="66488" bIns="66488" numCol="1" spcCol="1270" anchor="ctr" anchorCtr="0">
+              <a:noAutofit/>
+            </a:bodyPr>
+            <a:lstStyle/>
+            <a:p>
+              <a:pPr marL="0" lvl="0" indent="0" algn="ctr" defTabSz="666750">
+                <a:lnSpc>
+                  <a:spcPct val="90000"/>
+                </a:lnSpc>
+                <a:spcBef>
+                  <a:spcPct val="0"/>
+                </a:spcBef>
+                <a:spcAft>
+                  <a:spcPct val="35000"/>
+                </a:spcAft>
+                <a:buNone/>
+              </a:pPr>
+              <a:r>
+                <a:rPr lang="en-US" altLang="zh-CN" sz="4400" kern="1200" dirty="0">
+                  <a:solidFill>
+                    <a:schemeClr val="accent1"/>
+                  </a:solidFill>
+                  <a:latin typeface="Bodoni MT Black" panose="02070A03080606020203" pitchFamily="18" charset="0"/>
+                </a:rPr>
+                <a:t>11</a:t>
+              </a:r>
+              <a:endParaRPr lang="zh-CN" altLang="en-US" sz="4400" kern="1200" dirty="0">
+                <a:solidFill>
+                  <a:schemeClr val="accent1"/>
+                </a:solidFill>
+                <a:latin typeface="Bodoni MT Black" panose="02070A03080606020203" pitchFamily="18" charset="0"/>
+              </a:endParaRPr>
+            </a:p>
+          </p:txBody>
+        </p:sp>
+      </p:grpSp>
+    </p:spTree>
+    <p:extLst>
+      <p:ext uri="{BB962C8B-B14F-4D97-AF65-F5344CB8AC3E}">
+        <p14:creationId xmlns:p14="http://schemas.microsoft.com/office/powerpoint/2010/main" val="5541748"/>
+      </p:ext>
+    </p:extLst>
+  </p:cSld>
+  <p:clrMapOvr>
+    <a:masterClrMapping/>
+  </p:clrMapOvr>
+</p:sld>
+</file>
+
 <file path=ppt/theme/theme1.xml><?xml version="1.0" encoding="utf-8"?>
 <a:theme xmlns:a="http://schemas.openxmlformats.org/drawingml/2006/main" name="Office 主题​​">
   <a:themeElements>

--- a/ToolInOne/Doc/draft.pptx
+++ b/ToolInOne/Doc/draft.pptx
@@ -7463,6 +7463,52 @@
       </p:grpSpPr>
       <p:sp>
         <p:nvSpPr>
+          <p:cNvPr id="2" name="矩形 1">
+            <a:extLst>
+              <a:ext uri="{FF2B5EF4-FFF2-40B4-BE49-F238E27FC236}">
+                <a16:creationId xmlns:a16="http://schemas.microsoft.com/office/drawing/2014/main" id="{99F381DD-52D1-4C74-B253-AF157BEC091D}"/>
+              </a:ext>
+            </a:extLst>
+          </p:cNvPr>
+          <p:cNvSpPr/>
+          <p:nvPr/>
+        </p:nvSpPr>
+        <p:spPr>
+          <a:xfrm>
+            <a:off x="0" y="1023440"/>
+            <a:ext cx="6096000" cy="5830457"/>
+          </a:xfrm>
+          <a:prstGeom prst="rect">
+            <a:avLst/>
+          </a:prstGeom>
+        </p:spPr>
+        <p:style>
+          <a:lnRef idx="2">
+            <a:schemeClr val="accent1">
+              <a:shade val="50000"/>
+            </a:schemeClr>
+          </a:lnRef>
+          <a:fillRef idx="1">
+            <a:schemeClr val="accent1"/>
+          </a:fillRef>
+          <a:effectRef idx="0">
+            <a:schemeClr val="accent1"/>
+          </a:effectRef>
+          <a:fontRef idx="minor">
+            <a:schemeClr val="lt1"/>
+          </a:fontRef>
+        </p:style>
+        <p:txBody>
+          <a:bodyPr rtlCol="0" anchor="ctr"/>
+          <a:lstStyle/>
+          <a:p>
+            <a:pPr algn="ctr"/>
+            <a:endParaRPr lang="zh-CN" altLang="en-US"/>
+          </a:p>
+        </p:txBody>
+      </p:sp>
+      <p:sp>
+        <p:nvSpPr>
           <p:cNvPr id="35" name="矩形: 圆角 34">
             <a:extLst>
               <a:ext uri="{FF2B5EF4-FFF2-40B4-BE49-F238E27FC236}">
@@ -7475,7 +7521,7 @@
         </p:nvSpPr>
         <p:spPr>
           <a:xfrm>
-            <a:off x="694670" y="644146"/>
+            <a:off x="230213" y="1224131"/>
             <a:ext cx="5600927" cy="5470118"/>
           </a:xfrm>
           <a:prstGeom prst="roundRect">
@@ -7521,7 +7567,7 @@
         </p:nvSpPr>
         <p:spPr>
           <a:xfrm>
-            <a:off x="694671" y="670713"/>
+            <a:off x="230214" y="1250698"/>
             <a:ext cx="5600927" cy="5443550"/>
           </a:xfrm>
           <a:prstGeom prst="ellipse">
@@ -7608,7 +7654,7 @@
         </p:nvGrpSpPr>
         <p:grpSpPr>
           <a:xfrm>
-            <a:off x="-148133" y="644146"/>
+            <a:off x="-612590" y="1224131"/>
             <a:ext cx="7263123" cy="5633869"/>
             <a:chOff x="4552950" y="1885950"/>
             <a:chExt cx="3028950" cy="2349500"/>
@@ -9444,7 +9490,7 @@
         </p:nvCxnSpPr>
         <p:spPr>
           <a:xfrm flipH="1">
-            <a:off x="-148133" y="3364925"/>
+            <a:off x="-455350" y="1027539"/>
             <a:ext cx="7263123" cy="0"/>
           </a:xfrm>
           <a:prstGeom prst="line">
@@ -9482,7 +9528,7 @@
         </p:nvCxnSpPr>
         <p:spPr>
           <a:xfrm flipV="1">
-            <a:off x="3457166" y="217715"/>
+            <a:off x="2992709" y="797700"/>
             <a:ext cx="0" cy="6422570"/>
           </a:xfrm>
           <a:prstGeom prst="line">
@@ -9518,7 +9564,7 @@
         </p:nvSpPr>
         <p:spPr>
           <a:xfrm rot="7436800">
-            <a:off x="3791636" y="1977070"/>
+            <a:off x="3327179" y="2557055"/>
             <a:ext cx="65316" cy="3240000"/>
           </a:xfrm>
           <a:prstGeom prst="triangle">
@@ -9592,7 +9638,7 @@
         </p:nvSpPr>
         <p:spPr>
           <a:xfrm rot="8267918">
-            <a:off x="3862522" y="2496799"/>
+            <a:off x="3398065" y="3076784"/>
             <a:ext cx="65316" cy="2663370"/>
           </a:xfrm>
           <a:prstGeom prst="triangle">
@@ -9689,7 +9735,7 @@
         </p:blipFill>
         <p:spPr>
           <a:xfrm flipH="1">
-            <a:off x="5539038" y="1008029"/>
+            <a:off x="5173655" y="5986547"/>
             <a:ext cx="462125" cy="462125"/>
           </a:xfrm>
           <a:prstGeom prst="rect">
@@ -9706,6 +9752,98 @@
           </a:effectLst>
         </p:spPr>
       </p:pic>
+      <p:sp>
+        <p:nvSpPr>
+          <p:cNvPr id="27" name="矩形: 圆角 26">
+            <a:extLst>
+              <a:ext uri="{FF2B5EF4-FFF2-40B4-BE49-F238E27FC236}">
+                <a16:creationId xmlns:a16="http://schemas.microsoft.com/office/drawing/2014/main" id="{AA21AF2B-9263-46F2-9FEE-EDD445A8DD94}"/>
+              </a:ext>
+            </a:extLst>
+          </p:cNvPr>
+          <p:cNvSpPr/>
+          <p:nvPr/>
+        </p:nvSpPr>
+        <p:spPr>
+          <a:xfrm>
+            <a:off x="491470" y="1509216"/>
+            <a:ext cx="686404" cy="450417"/>
+          </a:xfrm>
+          <a:prstGeom prst="roundRect">
+            <a:avLst/>
+          </a:prstGeom>
+        </p:spPr>
+        <p:style>
+          <a:lnRef idx="2">
+            <a:schemeClr val="accent2">
+              <a:shade val="50000"/>
+            </a:schemeClr>
+          </a:lnRef>
+          <a:fillRef idx="1">
+            <a:schemeClr val="accent2"/>
+          </a:fillRef>
+          <a:effectRef idx="0">
+            <a:schemeClr val="accent2"/>
+          </a:effectRef>
+          <a:fontRef idx="minor">
+            <a:schemeClr val="lt1"/>
+          </a:fontRef>
+        </p:style>
+        <p:txBody>
+          <a:bodyPr rtlCol="0" anchor="ctr"/>
+          <a:lstStyle/>
+          <a:p>
+            <a:pPr algn="ctr"/>
+            <a:endParaRPr lang="zh-CN" altLang="en-US"/>
+          </a:p>
+        </p:txBody>
+      </p:sp>
+      <p:sp>
+        <p:nvSpPr>
+          <p:cNvPr id="28" name="矩形: 圆角 27">
+            <a:extLst>
+              <a:ext uri="{FF2B5EF4-FFF2-40B4-BE49-F238E27FC236}">
+                <a16:creationId xmlns:a16="http://schemas.microsoft.com/office/drawing/2014/main" id="{56AEDA96-CA1C-417F-8D45-0902789CCC7A}"/>
+              </a:ext>
+            </a:extLst>
+          </p:cNvPr>
+          <p:cNvSpPr/>
+          <p:nvPr/>
+        </p:nvSpPr>
+        <p:spPr>
+          <a:xfrm>
+            <a:off x="4899094" y="1479862"/>
+            <a:ext cx="686404" cy="450417"/>
+          </a:xfrm>
+          <a:prstGeom prst="roundRect">
+            <a:avLst/>
+          </a:prstGeom>
+        </p:spPr>
+        <p:style>
+          <a:lnRef idx="2">
+            <a:schemeClr val="accent2">
+              <a:shade val="50000"/>
+            </a:schemeClr>
+          </a:lnRef>
+          <a:fillRef idx="1">
+            <a:schemeClr val="accent2"/>
+          </a:fillRef>
+          <a:effectRef idx="0">
+            <a:schemeClr val="accent2"/>
+          </a:effectRef>
+          <a:fontRef idx="minor">
+            <a:schemeClr val="lt1"/>
+          </a:fontRef>
+        </p:style>
+        <p:txBody>
+          <a:bodyPr rtlCol="0" anchor="ctr"/>
+          <a:lstStyle/>
+          <a:p>
+            <a:pPr algn="ctr"/>
+            <a:endParaRPr lang="zh-CN" altLang="en-US"/>
+          </a:p>
+        </p:txBody>
+      </p:sp>
     </p:spTree>
     <p:extLst>
       <p:ext uri="{BB962C8B-B14F-4D97-AF65-F5344CB8AC3E}">
